--- a/doc/07.善举.pptx
+++ b/doc/07.善举.pptx
@@ -285,7 +285,7 @@
           <a:p>
             <a:fld id="{1B7BBEA4-24BC-4F9A-BA49-26A596A24E96}" type="datetimeFigureOut">
               <a:rPr lang="zh-CN" altLang="en-US" smtClean="0"/>
-              <a:t>2021/4/14</a:t>
+              <a:t>2021/4/15</a:t>
             </a:fld>
             <a:endParaRPr lang="zh-CN" altLang="en-US"/>
           </a:p>
@@ -483,7 +483,7 @@
           <a:p>
             <a:fld id="{1B7BBEA4-24BC-4F9A-BA49-26A596A24E96}" type="datetimeFigureOut">
               <a:rPr lang="zh-CN" altLang="en-US" smtClean="0"/>
-              <a:t>2021/4/14</a:t>
+              <a:t>2021/4/15</a:t>
             </a:fld>
             <a:endParaRPr lang="zh-CN" altLang="en-US"/>
           </a:p>
@@ -691,7 +691,7 @@
           <a:p>
             <a:fld id="{1B7BBEA4-24BC-4F9A-BA49-26A596A24E96}" type="datetimeFigureOut">
               <a:rPr lang="zh-CN" altLang="en-US" smtClean="0"/>
-              <a:t>2021/4/14</a:t>
+              <a:t>2021/4/15</a:t>
             </a:fld>
             <a:endParaRPr lang="zh-CN" altLang="en-US"/>
           </a:p>
@@ -889,7 +889,7 @@
           <a:p>
             <a:fld id="{1B7BBEA4-24BC-4F9A-BA49-26A596A24E96}" type="datetimeFigureOut">
               <a:rPr lang="zh-CN" altLang="en-US" smtClean="0"/>
-              <a:t>2021/4/14</a:t>
+              <a:t>2021/4/15</a:t>
             </a:fld>
             <a:endParaRPr lang="zh-CN" altLang="en-US"/>
           </a:p>
@@ -1164,7 +1164,7 @@
           <a:p>
             <a:fld id="{1B7BBEA4-24BC-4F9A-BA49-26A596A24E96}" type="datetimeFigureOut">
               <a:rPr lang="zh-CN" altLang="en-US" smtClean="0"/>
-              <a:t>2021/4/14</a:t>
+              <a:t>2021/4/15</a:t>
             </a:fld>
             <a:endParaRPr lang="zh-CN" altLang="en-US"/>
           </a:p>
@@ -1429,7 +1429,7 @@
           <a:p>
             <a:fld id="{1B7BBEA4-24BC-4F9A-BA49-26A596A24E96}" type="datetimeFigureOut">
               <a:rPr lang="zh-CN" altLang="en-US" smtClean="0"/>
-              <a:t>2021/4/14</a:t>
+              <a:t>2021/4/15</a:t>
             </a:fld>
             <a:endParaRPr lang="zh-CN" altLang="en-US"/>
           </a:p>
@@ -1841,7 +1841,7 @@
           <a:p>
             <a:fld id="{1B7BBEA4-24BC-4F9A-BA49-26A596A24E96}" type="datetimeFigureOut">
               <a:rPr lang="zh-CN" altLang="en-US" smtClean="0"/>
-              <a:t>2021/4/14</a:t>
+              <a:t>2021/4/15</a:t>
             </a:fld>
             <a:endParaRPr lang="zh-CN" altLang="en-US"/>
           </a:p>
@@ -1982,7 +1982,7 @@
           <a:p>
             <a:fld id="{1B7BBEA4-24BC-4F9A-BA49-26A596A24E96}" type="datetimeFigureOut">
               <a:rPr lang="zh-CN" altLang="en-US" smtClean="0"/>
-              <a:t>2021/4/14</a:t>
+              <a:t>2021/4/15</a:t>
             </a:fld>
             <a:endParaRPr lang="zh-CN" altLang="en-US"/>
           </a:p>
@@ -2095,7 +2095,7 @@
           <a:p>
             <a:fld id="{1B7BBEA4-24BC-4F9A-BA49-26A596A24E96}" type="datetimeFigureOut">
               <a:rPr lang="zh-CN" altLang="en-US" smtClean="0"/>
-              <a:t>2021/4/14</a:t>
+              <a:t>2021/4/15</a:t>
             </a:fld>
             <a:endParaRPr lang="zh-CN" altLang="en-US"/>
           </a:p>
@@ -2406,7 +2406,7 @@
           <a:p>
             <a:fld id="{1B7BBEA4-24BC-4F9A-BA49-26A596A24E96}" type="datetimeFigureOut">
               <a:rPr lang="zh-CN" altLang="en-US" smtClean="0"/>
-              <a:t>2021/4/14</a:t>
+              <a:t>2021/4/15</a:t>
             </a:fld>
             <a:endParaRPr lang="zh-CN" altLang="en-US"/>
           </a:p>
@@ -2694,7 +2694,7 @@
           <a:p>
             <a:fld id="{1B7BBEA4-24BC-4F9A-BA49-26A596A24E96}" type="datetimeFigureOut">
               <a:rPr lang="zh-CN" altLang="en-US" smtClean="0"/>
-              <a:t>2021/4/14</a:t>
+              <a:t>2021/4/15</a:t>
             </a:fld>
             <a:endParaRPr lang="zh-CN" altLang="en-US"/>
           </a:p>
@@ -2935,7 +2935,7 @@
           <a:p>
             <a:fld id="{1B7BBEA4-24BC-4F9A-BA49-26A596A24E96}" type="datetimeFigureOut">
               <a:rPr lang="zh-CN" altLang="en-US" smtClean="0"/>
-              <a:t>2021/4/14</a:t>
+              <a:t>2021/4/15</a:t>
             </a:fld>
             <a:endParaRPr lang="zh-CN" altLang="en-US"/>
           </a:p>

--- a/doc/07.善举.pptx
+++ b/doc/07.善举.pptx
@@ -285,7 +285,7 @@
           <a:p>
             <a:fld id="{1B7BBEA4-24BC-4F9A-BA49-26A596A24E96}" type="datetimeFigureOut">
               <a:rPr lang="zh-CN" altLang="en-US" smtClean="0"/>
-              <a:t>2021/4/15</a:t>
+              <a:t>2021/4/17</a:t>
             </a:fld>
             <a:endParaRPr lang="zh-CN" altLang="en-US"/>
           </a:p>
@@ -483,7 +483,7 @@
           <a:p>
             <a:fld id="{1B7BBEA4-24BC-4F9A-BA49-26A596A24E96}" type="datetimeFigureOut">
               <a:rPr lang="zh-CN" altLang="en-US" smtClean="0"/>
-              <a:t>2021/4/15</a:t>
+              <a:t>2021/4/17</a:t>
             </a:fld>
             <a:endParaRPr lang="zh-CN" altLang="en-US"/>
           </a:p>
@@ -691,7 +691,7 @@
           <a:p>
             <a:fld id="{1B7BBEA4-24BC-4F9A-BA49-26A596A24E96}" type="datetimeFigureOut">
               <a:rPr lang="zh-CN" altLang="en-US" smtClean="0"/>
-              <a:t>2021/4/15</a:t>
+              <a:t>2021/4/17</a:t>
             </a:fld>
             <a:endParaRPr lang="zh-CN" altLang="en-US"/>
           </a:p>
@@ -889,7 +889,7 @@
           <a:p>
             <a:fld id="{1B7BBEA4-24BC-4F9A-BA49-26A596A24E96}" type="datetimeFigureOut">
               <a:rPr lang="zh-CN" altLang="en-US" smtClean="0"/>
-              <a:t>2021/4/15</a:t>
+              <a:t>2021/4/17</a:t>
             </a:fld>
             <a:endParaRPr lang="zh-CN" altLang="en-US"/>
           </a:p>
@@ -1164,7 +1164,7 @@
           <a:p>
             <a:fld id="{1B7BBEA4-24BC-4F9A-BA49-26A596A24E96}" type="datetimeFigureOut">
               <a:rPr lang="zh-CN" altLang="en-US" smtClean="0"/>
-              <a:t>2021/4/15</a:t>
+              <a:t>2021/4/17</a:t>
             </a:fld>
             <a:endParaRPr lang="zh-CN" altLang="en-US"/>
           </a:p>
@@ -1429,7 +1429,7 @@
           <a:p>
             <a:fld id="{1B7BBEA4-24BC-4F9A-BA49-26A596A24E96}" type="datetimeFigureOut">
               <a:rPr lang="zh-CN" altLang="en-US" smtClean="0"/>
-              <a:t>2021/4/15</a:t>
+              <a:t>2021/4/17</a:t>
             </a:fld>
             <a:endParaRPr lang="zh-CN" altLang="en-US"/>
           </a:p>
@@ -1841,7 +1841,7 @@
           <a:p>
             <a:fld id="{1B7BBEA4-24BC-4F9A-BA49-26A596A24E96}" type="datetimeFigureOut">
               <a:rPr lang="zh-CN" altLang="en-US" smtClean="0"/>
-              <a:t>2021/4/15</a:t>
+              <a:t>2021/4/17</a:t>
             </a:fld>
             <a:endParaRPr lang="zh-CN" altLang="en-US"/>
           </a:p>
@@ -1982,7 +1982,7 @@
           <a:p>
             <a:fld id="{1B7BBEA4-24BC-4F9A-BA49-26A596A24E96}" type="datetimeFigureOut">
               <a:rPr lang="zh-CN" altLang="en-US" smtClean="0"/>
-              <a:t>2021/4/15</a:t>
+              <a:t>2021/4/17</a:t>
             </a:fld>
             <a:endParaRPr lang="zh-CN" altLang="en-US"/>
           </a:p>
@@ -2095,7 +2095,7 @@
           <a:p>
             <a:fld id="{1B7BBEA4-24BC-4F9A-BA49-26A596A24E96}" type="datetimeFigureOut">
               <a:rPr lang="zh-CN" altLang="en-US" smtClean="0"/>
-              <a:t>2021/4/15</a:t>
+              <a:t>2021/4/17</a:t>
             </a:fld>
             <a:endParaRPr lang="zh-CN" altLang="en-US"/>
           </a:p>
@@ -2406,7 +2406,7 @@
           <a:p>
             <a:fld id="{1B7BBEA4-24BC-4F9A-BA49-26A596A24E96}" type="datetimeFigureOut">
               <a:rPr lang="zh-CN" altLang="en-US" smtClean="0"/>
-              <a:t>2021/4/15</a:t>
+              <a:t>2021/4/17</a:t>
             </a:fld>
             <a:endParaRPr lang="zh-CN" altLang="en-US"/>
           </a:p>
@@ -2694,7 +2694,7 @@
           <a:p>
             <a:fld id="{1B7BBEA4-24BC-4F9A-BA49-26A596A24E96}" type="datetimeFigureOut">
               <a:rPr lang="zh-CN" altLang="en-US" smtClean="0"/>
-              <a:t>2021/4/15</a:t>
+              <a:t>2021/4/17</a:t>
             </a:fld>
             <a:endParaRPr lang="zh-CN" altLang="en-US"/>
           </a:p>
@@ -2935,7 +2935,7 @@
           <a:p>
             <a:fld id="{1B7BBEA4-24BC-4F9A-BA49-26A596A24E96}" type="datetimeFigureOut">
               <a:rPr lang="zh-CN" altLang="en-US" smtClean="0"/>
-              <a:t>2021/4/15</a:t>
+              <a:t>2021/4/17</a:t>
             </a:fld>
             <a:endParaRPr lang="zh-CN" altLang="en-US"/>
           </a:p>
@@ -5417,7 +5417,7 @@
         </p:nvSpPr>
         <p:spPr>
           <a:xfrm>
-            <a:off x="3835459" y="4121754"/>
+            <a:off x="4320651" y="3907149"/>
             <a:ext cx="2016000" cy="648000"/>
           </a:xfrm>
           <a:prstGeom prst="roundRect">
@@ -5504,8 +5504,8 @@
         </p:nvCxnSpPr>
         <p:spPr>
           <a:xfrm>
-            <a:off x="5851459" y="4445754"/>
-            <a:ext cx="2521520" cy="0"/>
+            <a:off x="6336651" y="4231149"/>
+            <a:ext cx="2036328" cy="0"/>
           </a:xfrm>
           <a:prstGeom prst="straightConnector1">
             <a:avLst/>
@@ -5546,7 +5546,7 @@
         </p:nvSpPr>
         <p:spPr>
           <a:xfrm>
-            <a:off x="797811" y="5654608"/>
+            <a:off x="797811" y="5402681"/>
             <a:ext cx="1080000" cy="468000"/>
           </a:xfrm>
           <a:prstGeom prst="roundRect">
@@ -5609,7 +5609,7 @@
         </p:nvSpPr>
         <p:spPr>
           <a:xfrm>
-            <a:off x="3826128" y="5564608"/>
+            <a:off x="4311320" y="5312681"/>
             <a:ext cx="2016000" cy="648000"/>
           </a:xfrm>
           <a:prstGeom prst="roundRect">
@@ -5699,7 +5699,7 @@
         </p:nvSpPr>
         <p:spPr>
           <a:xfrm>
-            <a:off x="3835459" y="2017440"/>
+            <a:off x="4320651" y="2017440"/>
             <a:ext cx="2016000" cy="648000"/>
           </a:xfrm>
           <a:prstGeom prst="roundRect">
@@ -5782,7 +5782,7 @@
         </p:nvSpPr>
         <p:spPr>
           <a:xfrm>
-            <a:off x="807142" y="4211754"/>
+            <a:off x="807142" y="3997149"/>
             <a:ext cx="1080000" cy="468000"/>
           </a:xfrm>
           <a:prstGeom prst="roundRect">
@@ -5849,8 +5849,8 @@
         </p:nvCxnSpPr>
         <p:spPr>
           <a:xfrm>
-            <a:off x="1887142" y="4445754"/>
-            <a:ext cx="1948317" cy="0"/>
+            <a:off x="1887142" y="4231149"/>
+            <a:ext cx="2433509" cy="0"/>
           </a:xfrm>
           <a:prstGeom prst="straightConnector1">
             <a:avLst/>
@@ -5895,8 +5895,8 @@
         </p:nvCxnSpPr>
         <p:spPr>
           <a:xfrm>
-            <a:off x="5851459" y="2341440"/>
-            <a:ext cx="2414758" cy="0"/>
+            <a:off x="6336651" y="2341440"/>
+            <a:ext cx="1929566" cy="0"/>
           </a:xfrm>
           <a:prstGeom prst="straightConnector1">
             <a:avLst/>
@@ -5934,15 +5934,15 @@
           </p:cNvPr>
           <p:cNvCxnSpPr>
             <a:cxnSpLocks/>
-            <a:stCxn id="32" idx="3"/>
+            <a:stCxn id="42" idx="3"/>
             <a:endCxn id="35" idx="1"/>
           </p:cNvCxnSpPr>
           <p:nvPr/>
         </p:nvCxnSpPr>
         <p:spPr>
           <a:xfrm>
-            <a:off x="1996380" y="2341440"/>
-            <a:ext cx="1839079" cy="0"/>
+            <a:off x="1887142" y="2341440"/>
+            <a:ext cx="2433509" cy="0"/>
           </a:xfrm>
           <a:prstGeom prst="straightConnector1">
             <a:avLst/>
@@ -5987,8 +5987,8 @@
         </p:nvCxnSpPr>
         <p:spPr>
           <a:xfrm>
-            <a:off x="1877811" y="5888608"/>
-            <a:ext cx="1948317" cy="0"/>
+            <a:off x="1877811" y="5636681"/>
+            <a:ext cx="2433509" cy="0"/>
           </a:xfrm>
           <a:prstGeom prst="straightConnector1">
             <a:avLst/>
@@ -6033,8 +6033,8 @@
         </p:nvCxnSpPr>
         <p:spPr>
           <a:xfrm flipH="1">
-            <a:off x="5842128" y="5888608"/>
-            <a:ext cx="2530851" cy="0"/>
+            <a:off x="6327320" y="5636681"/>
+            <a:ext cx="2045659" cy="0"/>
           </a:xfrm>
           <a:prstGeom prst="straightConnector1">
             <a:avLst/>
@@ -6370,7 +6370,7 @@
         </p:nvSpPr>
         <p:spPr>
           <a:xfrm>
-            <a:off x="8372979" y="4229754"/>
+            <a:off x="8372979" y="4015149"/>
             <a:ext cx="1728000" cy="432000"/>
           </a:xfrm>
           <a:prstGeom prst="roundRect">
@@ -6442,7 +6442,7 @@
         </p:nvSpPr>
         <p:spPr>
           <a:xfrm>
-            <a:off x="8372979" y="5672608"/>
+            <a:off x="8372979" y="5420681"/>
             <a:ext cx="1728000" cy="432000"/>
           </a:xfrm>
           <a:prstGeom prst="roundRect">
@@ -6500,274 +6500,69 @@
           </a:p>
         </p:txBody>
       </p:sp>
-      <p:grpSp>
-        <p:nvGrpSpPr>
-          <p:cNvPr id="28" name="组合 27">
-            <a:extLst>
-              <a:ext uri="{FF2B5EF4-FFF2-40B4-BE49-F238E27FC236}">
-                <a16:creationId xmlns:a16="http://schemas.microsoft.com/office/drawing/2014/main" id="{39BB6835-3816-4662-A2A2-55E429605695}"/>
-              </a:ext>
-            </a:extLst>
-          </p:cNvPr>
-          <p:cNvGrpSpPr/>
-          <p:nvPr/>
-        </p:nvGrpSpPr>
-        <p:grpSpPr>
+      <p:sp>
+        <p:nvSpPr>
+          <p:cNvPr id="42" name="矩形: 圆角 41">
+            <a:extLst>
+              <a:ext uri="{FF2B5EF4-FFF2-40B4-BE49-F238E27FC236}">
+                <a16:creationId xmlns:a16="http://schemas.microsoft.com/office/drawing/2014/main" id="{61BE4273-E5AA-4D93-A728-1F70ACC9DEC1}"/>
+              </a:ext>
+            </a:extLst>
+          </p:cNvPr>
+          <p:cNvSpPr/>
+          <p:nvPr/>
+        </p:nvSpPr>
+        <p:spPr>
           <a:xfrm>
-            <a:off x="698519" y="1501471"/>
-            <a:ext cx="1297861" cy="1679938"/>
-            <a:chOff x="698519" y="1361456"/>
-            <a:chExt cx="1297861" cy="1679938"/>
-          </a:xfrm>
-        </p:grpSpPr>
-        <p:sp>
-          <p:nvSpPr>
-            <p:cNvPr id="29" name="矩形: 圆角 28">
-              <a:extLst>
-                <a:ext uri="{FF2B5EF4-FFF2-40B4-BE49-F238E27FC236}">
-                  <a16:creationId xmlns:a16="http://schemas.microsoft.com/office/drawing/2014/main" id="{416B2B0B-15E0-4B4D-BB41-8FB62D39CF98}"/>
-                </a:ext>
-              </a:extLst>
-            </p:cNvPr>
-            <p:cNvSpPr/>
-            <p:nvPr/>
-          </p:nvSpPr>
-          <p:spPr>
-            <a:xfrm>
-              <a:off x="807142" y="1436347"/>
-              <a:ext cx="1080000" cy="432000"/>
-            </a:xfrm>
-            <a:prstGeom prst="roundRect">
-              <a:avLst/>
-            </a:prstGeom>
+            <a:off x="807142" y="2107440"/>
+            <a:ext cx="1080000" cy="468000"/>
+          </a:xfrm>
+          <a:prstGeom prst="roundRect">
+            <a:avLst/>
+          </a:prstGeom>
+          <a:solidFill>
+            <a:srgbClr val="00B0F0"/>
+          </a:solidFill>
+          <a:ln>
             <a:solidFill>
-              <a:srgbClr val="00B0F0"/>
+              <a:schemeClr val="tx1"/>
             </a:solidFill>
-            <a:ln>
-              <a:solidFill>
-                <a:schemeClr val="tx1"/>
-              </a:solidFill>
-            </a:ln>
-          </p:spPr>
-          <p:style>
-            <a:lnRef idx="2">
-              <a:schemeClr val="accent1">
-                <a:shade val="50000"/>
-              </a:schemeClr>
-            </a:lnRef>
-            <a:fillRef idx="1">
-              <a:schemeClr val="accent1"/>
-            </a:fillRef>
-            <a:effectRef idx="0">
-              <a:schemeClr val="accent1"/>
-            </a:effectRef>
-            <a:fontRef idx="minor">
-              <a:schemeClr val="lt1"/>
-            </a:fontRef>
-          </p:style>
-          <p:txBody>
-            <a:bodyPr wrap="none" lIns="36000" tIns="36000" rIns="36000" bIns="36000" rtlCol="0" anchor="ctr" anchorCtr="0"/>
-            <a:lstStyle/>
-            <a:p>
-              <a:pPr algn="ctr"/>
-              <a:r>
-                <a:rPr lang="zh-CN" altLang="en-US" sz="1600" b="1">
-                  <a:solidFill>
-                    <a:schemeClr val="tx1"/>
-                  </a:solidFill>
-                  <a:latin typeface="微软雅黑" panose="020B0503020204020204" pitchFamily="34" charset="-122"/>
-                  <a:ea typeface="微软雅黑" panose="020B0503020204020204" pitchFamily="34" charset="-122"/>
-                </a:rPr>
-                <a:t>法师</a:t>
-              </a:r>
-            </a:p>
-          </p:txBody>
-        </p:sp>
-        <p:sp>
-          <p:nvSpPr>
-            <p:cNvPr id="30" name="矩形: 圆角 29">
-              <a:extLst>
-                <a:ext uri="{FF2B5EF4-FFF2-40B4-BE49-F238E27FC236}">
-                  <a16:creationId xmlns:a16="http://schemas.microsoft.com/office/drawing/2014/main" id="{A703CBBB-DA39-47BE-A605-5D07F6754B65}"/>
-                </a:ext>
-              </a:extLst>
-            </p:cNvPr>
-            <p:cNvSpPr/>
-            <p:nvPr/>
-          </p:nvSpPr>
-          <p:spPr>
-            <a:xfrm>
-              <a:off x="807142" y="1962987"/>
-              <a:ext cx="1080000" cy="432000"/>
-            </a:xfrm>
-            <a:prstGeom prst="roundRect">
-              <a:avLst/>
-            </a:prstGeom>
-            <a:solidFill>
-              <a:srgbClr val="00B0F0"/>
-            </a:solidFill>
-            <a:ln>
-              <a:solidFill>
-                <a:schemeClr val="tx1"/>
-              </a:solidFill>
-            </a:ln>
-          </p:spPr>
-          <p:style>
-            <a:lnRef idx="2">
-              <a:schemeClr val="accent1">
-                <a:shade val="50000"/>
-              </a:schemeClr>
-            </a:lnRef>
-            <a:fillRef idx="1">
-              <a:schemeClr val="accent1"/>
-            </a:fillRef>
-            <a:effectRef idx="0">
-              <a:schemeClr val="accent1"/>
-            </a:effectRef>
-            <a:fontRef idx="minor">
-              <a:schemeClr val="lt1"/>
-            </a:fontRef>
-          </p:style>
-          <p:txBody>
-            <a:bodyPr wrap="none" lIns="36000" tIns="36000" rIns="36000" bIns="36000" rtlCol="0" anchor="ctr" anchorCtr="0"/>
-            <a:lstStyle/>
-            <a:p>
-              <a:pPr algn="ctr"/>
-              <a:r>
-                <a:rPr lang="zh-CN" altLang="en-US" sz="1600" b="1">
-                  <a:solidFill>
-                    <a:schemeClr val="tx1"/>
-                  </a:solidFill>
-                  <a:latin typeface="微软雅黑" panose="020B0503020204020204" pitchFamily="34" charset="-122"/>
-                  <a:ea typeface="微软雅黑" panose="020B0503020204020204" pitchFamily="34" charset="-122"/>
-                </a:rPr>
-                <a:t>寺院</a:t>
-              </a:r>
-            </a:p>
-          </p:txBody>
-        </p:sp>
-        <p:sp>
-          <p:nvSpPr>
-            <p:cNvPr id="31" name="矩形: 圆角 30">
-              <a:extLst>
-                <a:ext uri="{FF2B5EF4-FFF2-40B4-BE49-F238E27FC236}">
-                  <a16:creationId xmlns:a16="http://schemas.microsoft.com/office/drawing/2014/main" id="{581A97E9-7984-4A0D-9FC9-272B25415932}"/>
-                </a:ext>
-              </a:extLst>
-            </p:cNvPr>
-            <p:cNvSpPr/>
-            <p:nvPr/>
-          </p:nvSpPr>
-          <p:spPr>
-            <a:xfrm>
-              <a:off x="807142" y="2491009"/>
-              <a:ext cx="1080000" cy="432000"/>
-            </a:xfrm>
-            <a:prstGeom prst="roundRect">
-              <a:avLst/>
-            </a:prstGeom>
-            <a:solidFill>
-              <a:srgbClr val="00B0F0"/>
-            </a:solidFill>
-            <a:ln>
-              <a:solidFill>
-                <a:schemeClr val="tx1"/>
-              </a:solidFill>
-            </a:ln>
-          </p:spPr>
-          <p:style>
-            <a:lnRef idx="2">
-              <a:schemeClr val="accent1">
-                <a:shade val="50000"/>
-              </a:schemeClr>
-            </a:lnRef>
-            <a:fillRef idx="1">
-              <a:schemeClr val="accent1"/>
-            </a:fillRef>
-            <a:effectRef idx="0">
-              <a:schemeClr val="accent1"/>
-            </a:effectRef>
-            <a:fontRef idx="minor">
-              <a:schemeClr val="lt1"/>
-            </a:fontRef>
-          </p:style>
-          <p:txBody>
-            <a:bodyPr wrap="none" lIns="36000" tIns="36000" rIns="36000" bIns="36000" rtlCol="0" anchor="ctr" anchorCtr="0"/>
-            <a:lstStyle/>
-            <a:p>
-              <a:pPr algn="ctr"/>
-              <a:r>
-                <a:rPr lang="zh-CN" altLang="en-US" sz="1600" b="1">
-                  <a:solidFill>
-                    <a:schemeClr val="tx1"/>
-                  </a:solidFill>
-                  <a:latin typeface="微软雅黑" panose="020B0503020204020204" pitchFamily="34" charset="-122"/>
-                  <a:ea typeface="微软雅黑" panose="020B0503020204020204" pitchFamily="34" charset="-122"/>
-                </a:rPr>
-                <a:t>基金会会员</a:t>
-              </a:r>
-            </a:p>
-          </p:txBody>
-        </p:sp>
-        <p:sp>
-          <p:nvSpPr>
-            <p:cNvPr id="32" name="矩形: 圆角 31">
-              <a:extLst>
-                <a:ext uri="{FF2B5EF4-FFF2-40B4-BE49-F238E27FC236}">
-                  <a16:creationId xmlns:a16="http://schemas.microsoft.com/office/drawing/2014/main" id="{24FEB309-8600-4CAB-AAA0-F3F35FABFE20}"/>
-                </a:ext>
-              </a:extLst>
-            </p:cNvPr>
-            <p:cNvSpPr/>
-            <p:nvPr/>
-          </p:nvSpPr>
-          <p:spPr>
-            <a:xfrm>
-              <a:off x="698519" y="1361456"/>
-              <a:ext cx="1297861" cy="1679938"/>
-            </a:xfrm>
-            <a:prstGeom prst="roundRect">
-              <a:avLst>
-                <a:gd name="adj" fmla="val 5494"/>
-              </a:avLst>
-            </a:prstGeom>
-            <a:noFill/>
-            <a:ln>
-              <a:solidFill>
-                <a:schemeClr val="tx2"/>
-              </a:solidFill>
-              <a:prstDash val="dash"/>
-            </a:ln>
-          </p:spPr>
-          <p:style>
-            <a:lnRef idx="2">
-              <a:schemeClr val="accent1">
-                <a:shade val="50000"/>
-              </a:schemeClr>
-            </a:lnRef>
-            <a:fillRef idx="1">
-              <a:schemeClr val="accent1"/>
-            </a:fillRef>
-            <a:effectRef idx="0">
-              <a:schemeClr val="accent1"/>
-            </a:effectRef>
-            <a:fontRef idx="minor">
-              <a:schemeClr val="lt1"/>
-            </a:fontRef>
-          </p:style>
-          <p:txBody>
-            <a:bodyPr rtlCol="0" anchor="ctr"/>
-            <a:lstStyle/>
-            <a:p>
-              <a:pPr algn="ctr"/>
-              <a:endParaRPr lang="zh-CN" altLang="en-US" sz="1600">
-                <a:latin typeface="微软雅黑" panose="020B0503020204020204" pitchFamily="34" charset="-122"/>
-                <a:ea typeface="微软雅黑" panose="020B0503020204020204" pitchFamily="34" charset="-122"/>
-              </a:endParaRPr>
-            </a:p>
-          </p:txBody>
-        </p:sp>
-      </p:grpSp>
+          </a:ln>
+        </p:spPr>
+        <p:style>
+          <a:lnRef idx="2">
+            <a:schemeClr val="accent1">
+              <a:shade val="50000"/>
+            </a:schemeClr>
+          </a:lnRef>
+          <a:fillRef idx="1">
+            <a:schemeClr val="accent1"/>
+          </a:fillRef>
+          <a:effectRef idx="0">
+            <a:schemeClr val="accent1"/>
+          </a:effectRef>
+          <a:fontRef idx="minor">
+            <a:schemeClr val="lt1"/>
+          </a:fontRef>
+        </p:style>
+        <p:txBody>
+          <a:bodyPr wrap="none" lIns="36000" tIns="36000" rIns="36000" bIns="36000" rtlCol="0" anchor="ctr" anchorCtr="0"/>
+          <a:lstStyle/>
+          <a:p>
+            <a:pPr algn="ctr"/>
+            <a:r>
+              <a:rPr lang="zh-CN" altLang="en-US" sz="1600" b="1">
+                <a:solidFill>
+                  <a:schemeClr val="tx1"/>
+                </a:solidFill>
+                <a:latin typeface="微软雅黑" panose="020B0503020204020204" pitchFamily="34" charset="-122"/>
+                <a:ea typeface="微软雅黑" panose="020B0503020204020204" pitchFamily="34" charset="-122"/>
+              </a:rPr>
+              <a:t>申请者</a:t>
+            </a:r>
+          </a:p>
+        </p:txBody>
+      </p:sp>
     </p:spTree>
     <p:extLst>
       <p:ext uri="{BB962C8B-B14F-4D97-AF65-F5344CB8AC3E}">
@@ -7427,7 +7222,7 @@
                 <a:latin typeface="微软雅黑" panose="020B0503020204020204" pitchFamily="34" charset="-122"/>
                 <a:ea typeface="微软雅黑" panose="020B0503020204020204" pitchFamily="34" charset="-122"/>
               </a:rPr>
-              <a:t>查看条件</a:t>
+              <a:t>按条件查看列表</a:t>
             </a:r>
             <a:endParaRPr lang="en-US" altLang="zh-CN" sz="1600" b="1">
               <a:solidFill>
@@ -8793,7 +8588,7 @@
         <p:spPr>
           <a:xfrm>
             <a:off x="5891718" y="1679430"/>
-            <a:ext cx="1741685" cy="318002"/>
+            <a:ext cx="1741685" cy="0"/>
           </a:xfrm>
           <a:prstGeom prst="straightConnector1">
             <a:avLst/>
@@ -8912,98 +8707,26 @@
           </a:fontRef>
         </p:style>
       </p:cxnSp>
-      <p:sp>
-        <p:nvSpPr>
-          <p:cNvPr id="84" name="矩形: 圆角 83">
-            <a:extLst>
-              <a:ext uri="{FF2B5EF4-FFF2-40B4-BE49-F238E27FC236}">
-                <a16:creationId xmlns:a16="http://schemas.microsoft.com/office/drawing/2014/main" id="{33A63DD5-3F1A-4400-8549-A4DF0712DC77}"/>
-              </a:ext>
-            </a:extLst>
-          </p:cNvPr>
-          <p:cNvSpPr/>
-          <p:nvPr/>
-        </p:nvSpPr>
-        <p:spPr>
-          <a:xfrm>
-            <a:off x="7633403" y="1137430"/>
-            <a:ext cx="1728000" cy="432000"/>
-          </a:xfrm>
-          <a:prstGeom prst="roundRect">
-            <a:avLst/>
-          </a:prstGeom>
-          <a:solidFill>
-            <a:schemeClr val="bg1">
-              <a:lumMod val="95000"/>
-            </a:schemeClr>
-          </a:solidFill>
-          <a:ln>
-            <a:solidFill>
-              <a:schemeClr val="tx1"/>
-            </a:solidFill>
-          </a:ln>
-        </p:spPr>
-        <p:style>
-          <a:lnRef idx="2">
-            <a:schemeClr val="accent1">
-              <a:shade val="50000"/>
-            </a:schemeClr>
-          </a:lnRef>
-          <a:fillRef idx="1">
-            <a:schemeClr val="accent1"/>
-          </a:fillRef>
-          <a:effectRef idx="0">
-            <a:schemeClr val="accent1"/>
-          </a:effectRef>
-          <a:fontRef idx="minor">
-            <a:schemeClr val="lt1"/>
-          </a:fontRef>
-        </p:style>
-        <p:txBody>
-          <a:bodyPr wrap="none" lIns="36000" tIns="36000" rIns="36000" bIns="36000" rtlCol="0" anchor="ctr" anchorCtr="0"/>
-          <a:lstStyle/>
-          <a:p>
-            <a:pPr algn="ctr"/>
-            <a:r>
-              <a:rPr lang="zh-CN" altLang="en-US" sz="1600" b="1">
-                <a:solidFill>
-                  <a:schemeClr val="tx1"/>
-                </a:solidFill>
-                <a:latin typeface="微软雅黑" panose="020B0503020204020204" pitchFamily="34" charset="-122"/>
-                <a:ea typeface="微软雅黑" panose="020B0503020204020204" pitchFamily="34" charset="-122"/>
-              </a:rPr>
-              <a:t>善举表</a:t>
-            </a:r>
-            <a:endParaRPr lang="en-US" altLang="zh-CN" sz="1600" b="1">
-              <a:solidFill>
-                <a:schemeClr val="tx1"/>
-              </a:solidFill>
-              <a:latin typeface="微软雅黑" panose="020B0503020204020204" pitchFamily="34" charset="-122"/>
-              <a:ea typeface="微软雅黑" panose="020B0503020204020204" pitchFamily="34" charset="-122"/>
-            </a:endParaRPr>
-          </a:p>
-        </p:txBody>
-      </p:sp>
       <p:cxnSp>
         <p:nvCxnSpPr>
-          <p:cNvPr id="87" name="直接箭头连接符 86">
-            <a:extLst>
-              <a:ext uri="{FF2B5EF4-FFF2-40B4-BE49-F238E27FC236}">
-                <a16:creationId xmlns:a16="http://schemas.microsoft.com/office/drawing/2014/main" id="{C8837F47-42F9-4F6D-91D3-829F7A5E22F6}"/>
+          <p:cNvPr id="90" name="直接箭头连接符 89">
+            <a:extLst>
+              <a:ext uri="{FF2B5EF4-FFF2-40B4-BE49-F238E27FC236}">
+                <a16:creationId xmlns:a16="http://schemas.microsoft.com/office/drawing/2014/main" id="{82410D6B-692F-4CE5-A513-CE403E1B514A}"/>
               </a:ext>
             </a:extLst>
           </p:cNvPr>
           <p:cNvCxnSpPr>
             <a:cxnSpLocks/>
-            <a:stCxn id="84" idx="1"/>
-            <a:endCxn id="38" idx="3"/>
+            <a:stCxn id="103" idx="1"/>
+            <a:endCxn id="46" idx="3"/>
           </p:cNvCxnSpPr>
           <p:nvPr/>
         </p:nvCxnSpPr>
         <p:spPr>
           <a:xfrm flipH="1">
-            <a:off x="5891718" y="1353430"/>
-            <a:ext cx="1741685" cy="326000"/>
+            <a:off x="5891718" y="4383063"/>
+            <a:ext cx="1741685" cy="0"/>
           </a:xfrm>
           <a:prstGeom prst="straightConnector1">
             <a:avLst/>
@@ -9030,52 +8753,6 @@
           </a:fontRef>
         </p:style>
       </p:cxnSp>
-      <p:cxnSp>
-        <p:nvCxnSpPr>
-          <p:cNvPr id="90" name="直接箭头连接符 89">
-            <a:extLst>
-              <a:ext uri="{FF2B5EF4-FFF2-40B4-BE49-F238E27FC236}">
-                <a16:creationId xmlns:a16="http://schemas.microsoft.com/office/drawing/2014/main" id="{82410D6B-692F-4CE5-A513-CE403E1B514A}"/>
-              </a:ext>
-            </a:extLst>
-          </p:cNvPr>
-          <p:cNvCxnSpPr>
-            <a:cxnSpLocks/>
-            <a:stCxn id="103" idx="1"/>
-            <a:endCxn id="46" idx="3"/>
-          </p:cNvCxnSpPr>
-          <p:nvPr/>
-        </p:nvCxnSpPr>
-        <p:spPr>
-          <a:xfrm flipH="1">
-            <a:off x="5891718" y="4383063"/>
-            <a:ext cx="1741685" cy="0"/>
-          </a:xfrm>
-          <a:prstGeom prst="straightConnector1">
-            <a:avLst/>
-          </a:prstGeom>
-          <a:ln w="57150">
-            <a:solidFill>
-              <a:srgbClr val="FF0000"/>
-            </a:solidFill>
-            <a:tailEnd type="triangle"/>
-          </a:ln>
-        </p:spPr>
-        <p:style>
-          <a:lnRef idx="1">
-            <a:schemeClr val="accent1"/>
-          </a:lnRef>
-          <a:fillRef idx="0">
-            <a:schemeClr val="accent1"/>
-          </a:fillRef>
-          <a:effectRef idx="0">
-            <a:schemeClr val="accent1"/>
-          </a:effectRef>
-          <a:fontRef idx="minor">
-            <a:schemeClr val="tx1"/>
-          </a:fontRef>
-        </p:style>
-      </p:cxnSp>
       <p:sp>
         <p:nvSpPr>
           <p:cNvPr id="101" name="矩形: 圆角 100">
@@ -9090,7 +8767,7 @@
         </p:nvSpPr>
         <p:spPr>
           <a:xfrm>
-            <a:off x="7633403" y="1781432"/>
+            <a:off x="7633403" y="1463430"/>
             <a:ext cx="1728000" cy="432000"/>
           </a:xfrm>
           <a:prstGeom prst="roundRect">
@@ -13415,7 +13092,7 @@
                 <a:latin typeface="微软雅黑" panose="020B0503020204020204" pitchFamily="34" charset="-122"/>
                 <a:ea typeface="微软雅黑" panose="020B0503020204020204" pitchFamily="34" charset="-122"/>
               </a:rPr>
-              <a:t>查看条件</a:t>
+              <a:t>按条件查看列表</a:t>
             </a:r>
             <a:endParaRPr lang="en-US" altLang="zh-CN" sz="1600" b="1">
               <a:solidFill>
@@ -18116,8 +17793,8 @@
         </p:nvCxnSpPr>
         <p:spPr>
           <a:xfrm flipV="1">
-            <a:off x="5923872" y="2176580"/>
-            <a:ext cx="2342345" cy="1"/>
+            <a:off x="6502992" y="2176580"/>
+            <a:ext cx="1763225" cy="1"/>
           </a:xfrm>
           <a:prstGeom prst="straightConnector1">
             <a:avLst/>
@@ -18301,8 +17978,8 @@
         </p:nvCxnSpPr>
         <p:spPr>
           <a:xfrm>
-            <a:off x="1996380" y="2176580"/>
-            <a:ext cx="1766667" cy="1"/>
+            <a:off x="3105150" y="2176581"/>
+            <a:ext cx="1237017" cy="0"/>
           </a:xfrm>
           <a:prstGeom prst="straightConnector1">
             <a:avLst/>
@@ -18343,7 +18020,7 @@
         </p:nvSpPr>
         <p:spPr>
           <a:xfrm>
-            <a:off x="3830217" y="5724035"/>
+            <a:off x="4409337" y="5901314"/>
             <a:ext cx="2016000" cy="648000"/>
           </a:xfrm>
           <a:prstGeom prst="roundRect">
@@ -18433,7 +18110,7 @@
         </p:nvSpPr>
         <p:spPr>
           <a:xfrm>
-            <a:off x="800453" y="5760035"/>
+            <a:off x="800453" y="6009314"/>
             <a:ext cx="1080000" cy="432000"/>
           </a:xfrm>
           <a:prstGeom prst="roundRect">
@@ -18500,8 +18177,8 @@
         </p:nvCxnSpPr>
         <p:spPr>
           <a:xfrm flipH="1" flipV="1">
-            <a:off x="5846217" y="4437459"/>
-            <a:ext cx="2418073" cy="924288"/>
+            <a:off x="6425337" y="3952264"/>
+            <a:ext cx="1838953" cy="1101571"/>
           </a:xfrm>
           <a:prstGeom prst="straightConnector1">
             <a:avLst/>
@@ -18546,8 +18223,8 @@
         </p:nvCxnSpPr>
         <p:spPr>
           <a:xfrm flipH="1">
-            <a:off x="5846217" y="5361747"/>
-            <a:ext cx="2418073" cy="686288"/>
+            <a:off x="6425337" y="5053835"/>
+            <a:ext cx="1838953" cy="1171479"/>
           </a:xfrm>
           <a:prstGeom prst="straightConnector1">
             <a:avLst/>
@@ -18585,15 +18262,15 @@
           </p:cNvPr>
           <p:cNvCxnSpPr>
             <a:cxnSpLocks/>
-            <a:stCxn id="129" idx="3"/>
+            <a:stCxn id="59" idx="3"/>
             <a:endCxn id="74" idx="1"/>
           </p:cNvCxnSpPr>
           <p:nvPr/>
         </p:nvCxnSpPr>
         <p:spPr>
           <a:xfrm flipV="1">
-            <a:off x="1970641" y="4437459"/>
-            <a:ext cx="1859576" cy="279262"/>
+            <a:off x="3108262" y="3952264"/>
+            <a:ext cx="1301075" cy="280159"/>
           </a:xfrm>
           <a:prstGeom prst="straightConnector1">
             <a:avLst/>
@@ -18638,8 +18315,8 @@
         </p:nvCxnSpPr>
         <p:spPr>
           <a:xfrm>
-            <a:off x="1880453" y="5976035"/>
-            <a:ext cx="1949764" cy="72000"/>
+            <a:off x="1880453" y="6225314"/>
+            <a:ext cx="2528884" cy="0"/>
           </a:xfrm>
           <a:prstGeom prst="straightConnector1">
             <a:avLst/>
@@ -18668,10 +18345,10 @@
       </p:cxnSp>
       <p:grpSp>
         <p:nvGrpSpPr>
-          <p:cNvPr id="12" name="组合 11">
-            <a:extLst>
-              <a:ext uri="{FF2B5EF4-FFF2-40B4-BE49-F238E27FC236}">
-                <a16:creationId xmlns:a16="http://schemas.microsoft.com/office/drawing/2014/main" id="{669D4CB6-17CF-4486-950B-CBBE30D27DB2}"/>
+          <p:cNvPr id="161" name="组合 160">
+            <a:extLst>
+              <a:ext uri="{FF2B5EF4-FFF2-40B4-BE49-F238E27FC236}">
+                <a16:creationId xmlns:a16="http://schemas.microsoft.com/office/drawing/2014/main" id="{7CFBFD3A-BA50-4CB5-A0AF-2C170D9B8A15}"/>
               </a:ext>
             </a:extLst>
           </p:cNvPr>
@@ -18680,275 +18357,7 @@
         </p:nvGrpSpPr>
         <p:grpSpPr>
           <a:xfrm>
-            <a:off x="698519" y="1336611"/>
-            <a:ext cx="1297861" cy="1679938"/>
-            <a:chOff x="698519" y="1361456"/>
-            <a:chExt cx="1297861" cy="1679938"/>
-          </a:xfrm>
-        </p:grpSpPr>
-        <p:sp>
-          <p:nvSpPr>
-            <p:cNvPr id="48" name="矩形: 圆角 47">
-              <a:extLst>
-                <a:ext uri="{FF2B5EF4-FFF2-40B4-BE49-F238E27FC236}">
-                  <a16:creationId xmlns:a16="http://schemas.microsoft.com/office/drawing/2014/main" id="{EBD4EA97-5025-4DE6-B38D-69D50269EB33}"/>
-                </a:ext>
-              </a:extLst>
-            </p:cNvPr>
-            <p:cNvSpPr/>
-            <p:nvPr/>
-          </p:nvSpPr>
-          <p:spPr>
-            <a:xfrm>
-              <a:off x="807142" y="1436347"/>
-              <a:ext cx="1080000" cy="432000"/>
-            </a:xfrm>
-            <a:prstGeom prst="roundRect">
-              <a:avLst/>
-            </a:prstGeom>
-            <a:solidFill>
-              <a:srgbClr val="00B0F0"/>
-            </a:solidFill>
-            <a:ln>
-              <a:solidFill>
-                <a:schemeClr val="tx1"/>
-              </a:solidFill>
-            </a:ln>
-          </p:spPr>
-          <p:style>
-            <a:lnRef idx="2">
-              <a:schemeClr val="accent1">
-                <a:shade val="50000"/>
-              </a:schemeClr>
-            </a:lnRef>
-            <a:fillRef idx="1">
-              <a:schemeClr val="accent1"/>
-            </a:fillRef>
-            <a:effectRef idx="0">
-              <a:schemeClr val="accent1"/>
-            </a:effectRef>
-            <a:fontRef idx="minor">
-              <a:schemeClr val="lt1"/>
-            </a:fontRef>
-          </p:style>
-          <p:txBody>
-            <a:bodyPr wrap="none" lIns="36000" tIns="36000" rIns="36000" bIns="36000" rtlCol="0" anchor="ctr" anchorCtr="0"/>
-            <a:lstStyle/>
-            <a:p>
-              <a:pPr algn="ctr"/>
-              <a:r>
-                <a:rPr lang="zh-CN" altLang="en-US" sz="1600" b="1">
-                  <a:solidFill>
-                    <a:schemeClr val="tx1"/>
-                  </a:solidFill>
-                  <a:latin typeface="微软雅黑" panose="020B0503020204020204" pitchFamily="34" charset="-122"/>
-                  <a:ea typeface="微软雅黑" panose="020B0503020204020204" pitchFamily="34" charset="-122"/>
-                </a:rPr>
-                <a:t>法师</a:t>
-              </a:r>
-            </a:p>
-          </p:txBody>
-        </p:sp>
-        <p:sp>
-          <p:nvSpPr>
-            <p:cNvPr id="32" name="矩形: 圆角 31">
-              <a:extLst>
-                <a:ext uri="{FF2B5EF4-FFF2-40B4-BE49-F238E27FC236}">
-                  <a16:creationId xmlns:a16="http://schemas.microsoft.com/office/drawing/2014/main" id="{E9F462B0-0104-49C0-A2DB-955EBA082EE7}"/>
-                </a:ext>
-              </a:extLst>
-            </p:cNvPr>
-            <p:cNvSpPr/>
-            <p:nvPr/>
-          </p:nvSpPr>
-          <p:spPr>
-            <a:xfrm>
-              <a:off x="807142" y="1962987"/>
-              <a:ext cx="1080000" cy="432000"/>
-            </a:xfrm>
-            <a:prstGeom prst="roundRect">
-              <a:avLst/>
-            </a:prstGeom>
-            <a:solidFill>
-              <a:srgbClr val="00B0F0"/>
-            </a:solidFill>
-            <a:ln>
-              <a:solidFill>
-                <a:schemeClr val="tx1"/>
-              </a:solidFill>
-            </a:ln>
-          </p:spPr>
-          <p:style>
-            <a:lnRef idx="2">
-              <a:schemeClr val="accent1">
-                <a:shade val="50000"/>
-              </a:schemeClr>
-            </a:lnRef>
-            <a:fillRef idx="1">
-              <a:schemeClr val="accent1"/>
-            </a:fillRef>
-            <a:effectRef idx="0">
-              <a:schemeClr val="accent1"/>
-            </a:effectRef>
-            <a:fontRef idx="minor">
-              <a:schemeClr val="lt1"/>
-            </a:fontRef>
-          </p:style>
-          <p:txBody>
-            <a:bodyPr wrap="none" lIns="36000" tIns="36000" rIns="36000" bIns="36000" rtlCol="0" anchor="ctr" anchorCtr="0"/>
-            <a:lstStyle/>
-            <a:p>
-              <a:pPr algn="ctr"/>
-              <a:r>
-                <a:rPr lang="zh-CN" altLang="en-US" sz="1600" b="1">
-                  <a:solidFill>
-                    <a:schemeClr val="tx1"/>
-                  </a:solidFill>
-                  <a:latin typeface="微软雅黑" panose="020B0503020204020204" pitchFamily="34" charset="-122"/>
-                  <a:ea typeface="微软雅黑" panose="020B0503020204020204" pitchFamily="34" charset="-122"/>
-                </a:rPr>
-                <a:t>寺院</a:t>
-              </a:r>
-            </a:p>
-          </p:txBody>
-        </p:sp>
-        <p:sp>
-          <p:nvSpPr>
-            <p:cNvPr id="73" name="矩形: 圆角 72">
-              <a:extLst>
-                <a:ext uri="{FF2B5EF4-FFF2-40B4-BE49-F238E27FC236}">
-                  <a16:creationId xmlns:a16="http://schemas.microsoft.com/office/drawing/2014/main" id="{3B6EB2D3-4544-40BC-B1EF-5D1903394354}"/>
-                </a:ext>
-              </a:extLst>
-            </p:cNvPr>
-            <p:cNvSpPr/>
-            <p:nvPr/>
-          </p:nvSpPr>
-          <p:spPr>
-            <a:xfrm>
-              <a:off x="807142" y="2491009"/>
-              <a:ext cx="1080000" cy="432000"/>
-            </a:xfrm>
-            <a:prstGeom prst="roundRect">
-              <a:avLst/>
-            </a:prstGeom>
-            <a:solidFill>
-              <a:srgbClr val="00B0F0"/>
-            </a:solidFill>
-            <a:ln>
-              <a:solidFill>
-                <a:schemeClr val="tx1"/>
-              </a:solidFill>
-            </a:ln>
-          </p:spPr>
-          <p:style>
-            <a:lnRef idx="2">
-              <a:schemeClr val="accent1">
-                <a:shade val="50000"/>
-              </a:schemeClr>
-            </a:lnRef>
-            <a:fillRef idx="1">
-              <a:schemeClr val="accent1"/>
-            </a:fillRef>
-            <a:effectRef idx="0">
-              <a:schemeClr val="accent1"/>
-            </a:effectRef>
-            <a:fontRef idx="minor">
-              <a:schemeClr val="lt1"/>
-            </a:fontRef>
-          </p:style>
-          <p:txBody>
-            <a:bodyPr wrap="none" lIns="36000" tIns="36000" rIns="36000" bIns="36000" rtlCol="0" anchor="ctr" anchorCtr="0"/>
-            <a:lstStyle/>
-            <a:p>
-              <a:pPr algn="ctr"/>
-              <a:r>
-                <a:rPr lang="zh-CN" altLang="en-US" sz="1600" b="1">
-                  <a:solidFill>
-                    <a:schemeClr val="tx1"/>
-                  </a:solidFill>
-                  <a:latin typeface="微软雅黑" panose="020B0503020204020204" pitchFamily="34" charset="-122"/>
-                  <a:ea typeface="微软雅黑" panose="020B0503020204020204" pitchFamily="34" charset="-122"/>
-                </a:rPr>
-                <a:t>基金会会员</a:t>
-              </a:r>
-            </a:p>
-          </p:txBody>
-        </p:sp>
-        <p:sp>
-          <p:nvSpPr>
-            <p:cNvPr id="121" name="矩形: 圆角 120">
-              <a:extLst>
-                <a:ext uri="{FF2B5EF4-FFF2-40B4-BE49-F238E27FC236}">
-                  <a16:creationId xmlns:a16="http://schemas.microsoft.com/office/drawing/2014/main" id="{F611A331-1ECC-48B7-8868-69A9CCBDD3D4}"/>
-                </a:ext>
-              </a:extLst>
-            </p:cNvPr>
-            <p:cNvSpPr/>
-            <p:nvPr/>
-          </p:nvSpPr>
-          <p:spPr>
-            <a:xfrm>
-              <a:off x="698519" y="1361456"/>
-              <a:ext cx="1297861" cy="1679938"/>
-            </a:xfrm>
-            <a:prstGeom prst="roundRect">
-              <a:avLst>
-                <a:gd name="adj" fmla="val 5494"/>
-              </a:avLst>
-            </a:prstGeom>
-            <a:noFill/>
-            <a:ln>
-              <a:solidFill>
-                <a:schemeClr val="tx2"/>
-              </a:solidFill>
-              <a:prstDash val="dash"/>
-            </a:ln>
-          </p:spPr>
-          <p:style>
-            <a:lnRef idx="2">
-              <a:schemeClr val="accent1">
-                <a:shade val="50000"/>
-              </a:schemeClr>
-            </a:lnRef>
-            <a:fillRef idx="1">
-              <a:schemeClr val="accent1"/>
-            </a:fillRef>
-            <a:effectRef idx="0">
-              <a:schemeClr val="accent1"/>
-            </a:effectRef>
-            <a:fontRef idx="minor">
-              <a:schemeClr val="lt1"/>
-            </a:fontRef>
-          </p:style>
-          <p:txBody>
-            <a:bodyPr rtlCol="0" anchor="ctr"/>
-            <a:lstStyle/>
-            <a:p>
-              <a:pPr algn="ctr"/>
-              <a:endParaRPr lang="zh-CN" altLang="en-US" sz="1600">
-                <a:latin typeface="微软雅黑" panose="020B0503020204020204" pitchFamily="34" charset="-122"/>
-                <a:ea typeface="微软雅黑" panose="020B0503020204020204" pitchFamily="34" charset="-122"/>
-              </a:endParaRPr>
-            </a:p>
-          </p:txBody>
-        </p:sp>
-      </p:grpSp>
-      <p:grpSp>
-        <p:nvGrpSpPr>
-          <p:cNvPr id="161" name="组合 160">
-            <a:extLst>
-              <a:ext uri="{FF2B5EF4-FFF2-40B4-BE49-F238E27FC236}">
-                <a16:creationId xmlns:a16="http://schemas.microsoft.com/office/drawing/2014/main" id="{7CFBFD3A-BA50-4CB5-A0AF-2C170D9B8A15}"/>
-              </a:ext>
-            </a:extLst>
-          </p:cNvPr>
-          <p:cNvGrpSpPr/>
-          <p:nvPr/>
-        </p:nvGrpSpPr>
-        <p:grpSpPr>
-          <a:xfrm>
-            <a:off x="3763047" y="1381015"/>
+            <a:off x="4342167" y="1381015"/>
             <a:ext cx="2160825" cy="1591131"/>
             <a:chOff x="3763047" y="1717039"/>
             <a:chExt cx="2160825" cy="1591131"/>
@@ -19474,211 +18883,6 @@
           </p:txBody>
         </p:sp>
       </p:grpSp>
-      <p:grpSp>
-        <p:nvGrpSpPr>
-          <p:cNvPr id="11" name="组合 10">
-            <a:extLst>
-              <a:ext uri="{FF2B5EF4-FFF2-40B4-BE49-F238E27FC236}">
-                <a16:creationId xmlns:a16="http://schemas.microsoft.com/office/drawing/2014/main" id="{D1DF5E6D-B065-4308-AF0A-D1FFE5C5AE68}"/>
-              </a:ext>
-            </a:extLst>
-          </p:cNvPr>
-          <p:cNvGrpSpPr/>
-          <p:nvPr/>
-        </p:nvGrpSpPr>
-        <p:grpSpPr>
-          <a:xfrm>
-            <a:off x="710265" y="4117390"/>
-            <a:ext cx="1260376" cy="1198661"/>
-            <a:chOff x="707930" y="4044086"/>
-            <a:chExt cx="1260376" cy="1198661"/>
-          </a:xfrm>
-        </p:grpSpPr>
-        <p:sp>
-          <p:nvSpPr>
-            <p:cNvPr id="76" name="矩形: 圆角 75">
-              <a:extLst>
-                <a:ext uri="{FF2B5EF4-FFF2-40B4-BE49-F238E27FC236}">
-                  <a16:creationId xmlns:a16="http://schemas.microsoft.com/office/drawing/2014/main" id="{0BE23D31-C734-41F6-B224-C63B2765C758}"/>
-                </a:ext>
-              </a:extLst>
-            </p:cNvPr>
-            <p:cNvSpPr/>
-            <p:nvPr/>
-          </p:nvSpPr>
-          <p:spPr>
-            <a:xfrm>
-              <a:off x="800453" y="4150991"/>
-              <a:ext cx="1080000" cy="432000"/>
-            </a:xfrm>
-            <a:prstGeom prst="roundRect">
-              <a:avLst/>
-            </a:prstGeom>
-            <a:solidFill>
-              <a:srgbClr val="00B0F0"/>
-            </a:solidFill>
-            <a:ln>
-              <a:solidFill>
-                <a:schemeClr val="tx1"/>
-              </a:solidFill>
-            </a:ln>
-          </p:spPr>
-          <p:style>
-            <a:lnRef idx="2">
-              <a:schemeClr val="accent1">
-                <a:shade val="50000"/>
-              </a:schemeClr>
-            </a:lnRef>
-            <a:fillRef idx="1">
-              <a:schemeClr val="accent1"/>
-            </a:fillRef>
-            <a:effectRef idx="0">
-              <a:schemeClr val="accent1"/>
-            </a:effectRef>
-            <a:fontRef idx="minor">
-              <a:schemeClr val="lt1"/>
-            </a:fontRef>
-          </p:style>
-          <p:txBody>
-            <a:bodyPr wrap="none" lIns="36000" tIns="36000" rIns="36000" bIns="36000" rtlCol="0" anchor="ctr" anchorCtr="0"/>
-            <a:lstStyle/>
-            <a:p>
-              <a:pPr algn="ctr"/>
-              <a:r>
-                <a:rPr lang="zh-CN" altLang="en-US" sz="1600" b="1">
-                  <a:solidFill>
-                    <a:schemeClr val="tx1"/>
-                  </a:solidFill>
-                  <a:latin typeface="微软雅黑" panose="020B0503020204020204" pitchFamily="34" charset="-122"/>
-                  <a:ea typeface="微软雅黑" panose="020B0503020204020204" pitchFamily="34" charset="-122"/>
-                </a:rPr>
-                <a:t>法师</a:t>
-              </a:r>
-            </a:p>
-          </p:txBody>
-        </p:sp>
-        <p:sp>
-          <p:nvSpPr>
-            <p:cNvPr id="77" name="矩形: 圆角 76">
-              <a:extLst>
-                <a:ext uri="{FF2B5EF4-FFF2-40B4-BE49-F238E27FC236}">
-                  <a16:creationId xmlns:a16="http://schemas.microsoft.com/office/drawing/2014/main" id="{C53052DF-529E-43F9-A2A7-0B45BEBC3B5D}"/>
-                </a:ext>
-              </a:extLst>
-            </p:cNvPr>
-            <p:cNvSpPr/>
-            <p:nvPr/>
-          </p:nvSpPr>
-          <p:spPr>
-            <a:xfrm>
-              <a:off x="800453" y="4677692"/>
-              <a:ext cx="1080000" cy="432000"/>
-            </a:xfrm>
-            <a:prstGeom prst="roundRect">
-              <a:avLst/>
-            </a:prstGeom>
-            <a:solidFill>
-              <a:srgbClr val="00B0F0"/>
-            </a:solidFill>
-            <a:ln>
-              <a:solidFill>
-                <a:schemeClr val="tx1"/>
-              </a:solidFill>
-            </a:ln>
-          </p:spPr>
-          <p:style>
-            <a:lnRef idx="2">
-              <a:schemeClr val="accent1">
-                <a:shade val="50000"/>
-              </a:schemeClr>
-            </a:lnRef>
-            <a:fillRef idx="1">
-              <a:schemeClr val="accent1"/>
-            </a:fillRef>
-            <a:effectRef idx="0">
-              <a:schemeClr val="accent1"/>
-            </a:effectRef>
-            <a:fontRef idx="minor">
-              <a:schemeClr val="lt1"/>
-            </a:fontRef>
-          </p:style>
-          <p:txBody>
-            <a:bodyPr wrap="none" lIns="36000" tIns="36000" rIns="36000" bIns="36000" rtlCol="0" anchor="ctr" anchorCtr="0"/>
-            <a:lstStyle/>
-            <a:p>
-              <a:pPr algn="ctr"/>
-              <a:r>
-                <a:rPr lang="zh-CN" altLang="en-US" sz="1600" b="1">
-                  <a:solidFill>
-                    <a:schemeClr val="tx1"/>
-                  </a:solidFill>
-                  <a:latin typeface="微软雅黑" panose="020B0503020204020204" pitchFamily="34" charset="-122"/>
-                  <a:ea typeface="微软雅黑" panose="020B0503020204020204" pitchFamily="34" charset="-122"/>
-                </a:rPr>
-                <a:t>寺院</a:t>
-              </a:r>
-            </a:p>
-          </p:txBody>
-        </p:sp>
-        <p:sp>
-          <p:nvSpPr>
-            <p:cNvPr id="129" name="矩形: 圆角 128">
-              <a:extLst>
-                <a:ext uri="{FF2B5EF4-FFF2-40B4-BE49-F238E27FC236}">
-                  <a16:creationId xmlns:a16="http://schemas.microsoft.com/office/drawing/2014/main" id="{C3B5510D-F350-4251-B50A-35ED8CDF6B80}"/>
-                </a:ext>
-              </a:extLst>
-            </p:cNvPr>
-            <p:cNvSpPr/>
-            <p:nvPr/>
-          </p:nvSpPr>
-          <p:spPr>
-            <a:xfrm>
-              <a:off x="707930" y="4044086"/>
-              <a:ext cx="1260376" cy="1198661"/>
-            </a:xfrm>
-            <a:prstGeom prst="roundRect">
-              <a:avLst>
-                <a:gd name="adj" fmla="val 5494"/>
-              </a:avLst>
-            </a:prstGeom>
-            <a:noFill/>
-            <a:ln>
-              <a:solidFill>
-                <a:schemeClr val="tx2"/>
-              </a:solidFill>
-              <a:prstDash val="dash"/>
-            </a:ln>
-          </p:spPr>
-          <p:style>
-            <a:lnRef idx="2">
-              <a:schemeClr val="accent1">
-                <a:shade val="50000"/>
-              </a:schemeClr>
-            </a:lnRef>
-            <a:fillRef idx="1">
-              <a:schemeClr val="accent1"/>
-            </a:fillRef>
-            <a:effectRef idx="0">
-              <a:schemeClr val="accent1"/>
-            </a:effectRef>
-            <a:fontRef idx="minor">
-              <a:schemeClr val="lt1"/>
-            </a:fontRef>
-          </p:style>
-          <p:txBody>
-            <a:bodyPr rtlCol="0" anchor="ctr"/>
-            <a:lstStyle/>
-            <a:p>
-              <a:pPr algn="ctr"/>
-              <a:endParaRPr lang="zh-CN" altLang="en-US" sz="1600">
-                <a:latin typeface="微软雅黑" panose="020B0503020204020204" pitchFamily="34" charset="-122"/>
-                <a:ea typeface="微软雅黑" panose="020B0503020204020204" pitchFamily="34" charset="-122"/>
-              </a:endParaRPr>
-            </a:p>
-          </p:txBody>
-        </p:sp>
-      </p:grpSp>
       <p:sp>
         <p:nvSpPr>
           <p:cNvPr id="74" name="矩形: 圆角 73">
@@ -19693,7 +18897,7 @@
         </p:nvSpPr>
         <p:spPr>
           <a:xfrm>
-            <a:off x="3830217" y="4113459"/>
+            <a:off x="4409337" y="3628264"/>
             <a:ext cx="2016000" cy="648000"/>
           </a:xfrm>
           <a:prstGeom prst="roundRect">
@@ -19783,7 +18987,7 @@
         </p:nvSpPr>
         <p:spPr>
           <a:xfrm>
-            <a:off x="3830217" y="4918747"/>
+            <a:off x="4409337" y="4385947"/>
             <a:ext cx="2016000" cy="648000"/>
           </a:xfrm>
           <a:prstGeom prst="roundRect">
@@ -19870,15 +19074,15 @@
           </p:cNvPr>
           <p:cNvCxnSpPr>
             <a:cxnSpLocks/>
-            <a:stCxn id="129" idx="3"/>
+            <a:stCxn id="59" idx="3"/>
             <a:endCxn id="144" idx="1"/>
           </p:cNvCxnSpPr>
           <p:nvPr/>
         </p:nvCxnSpPr>
         <p:spPr>
           <a:xfrm>
-            <a:off x="1970641" y="4716721"/>
-            <a:ext cx="1859576" cy="526026"/>
+            <a:off x="3108262" y="4232423"/>
+            <a:ext cx="1301075" cy="477524"/>
           </a:xfrm>
           <a:prstGeom prst="straightConnector1">
             <a:avLst/>
@@ -19923,8 +19127,8 @@
         </p:nvCxnSpPr>
         <p:spPr>
           <a:xfrm flipV="1">
-            <a:off x="1880453" y="5242747"/>
-            <a:ext cx="1949764" cy="733288"/>
+            <a:off x="1880453" y="4709947"/>
+            <a:ext cx="2528884" cy="1515367"/>
           </a:xfrm>
           <a:prstGeom prst="straightConnector1">
             <a:avLst/>
@@ -19969,8 +19173,8 @@
         </p:nvCxnSpPr>
         <p:spPr>
           <a:xfrm flipH="1" flipV="1">
-            <a:off x="5846217" y="5242747"/>
-            <a:ext cx="2418073" cy="119000"/>
+            <a:off x="6425337" y="4709947"/>
+            <a:ext cx="1838953" cy="343888"/>
           </a:xfrm>
           <a:prstGeom prst="straightConnector1">
             <a:avLst/>
@@ -20011,7 +19215,7 @@
         </p:nvGrpSpPr>
         <p:grpSpPr>
           <a:xfrm>
-            <a:off x="8264290" y="4494137"/>
+            <a:off x="8264290" y="4186225"/>
             <a:ext cx="1927903" cy="1735220"/>
             <a:chOff x="8266217" y="1334419"/>
             <a:chExt cx="1927903" cy="1735220"/>
@@ -20292,6 +19496,896 @@
           </p:txBody>
         </p:sp>
       </p:grpSp>
+      <p:grpSp>
+        <p:nvGrpSpPr>
+          <p:cNvPr id="5" name="组合 4">
+            <a:extLst>
+              <a:ext uri="{FF2B5EF4-FFF2-40B4-BE49-F238E27FC236}">
+                <a16:creationId xmlns:a16="http://schemas.microsoft.com/office/drawing/2014/main" id="{CB41DC67-8B8F-47AE-A1D8-EA9D2A5FF6D2}"/>
+              </a:ext>
+            </a:extLst>
+          </p:cNvPr>
+          <p:cNvGrpSpPr/>
+          <p:nvPr/>
+        </p:nvGrpSpPr>
+        <p:grpSpPr>
+          <a:xfrm>
+            <a:off x="709949" y="1651484"/>
+            <a:ext cx="2395201" cy="1050193"/>
+            <a:chOff x="709949" y="1340421"/>
+            <a:chExt cx="2395201" cy="1050193"/>
+          </a:xfrm>
+        </p:grpSpPr>
+        <p:sp>
+          <p:nvSpPr>
+            <p:cNvPr id="48" name="矩形: 圆角 47">
+              <a:extLst>
+                <a:ext uri="{FF2B5EF4-FFF2-40B4-BE49-F238E27FC236}">
+                  <a16:creationId xmlns:a16="http://schemas.microsoft.com/office/drawing/2014/main" id="{EBD4EA97-5025-4DE6-B38D-69D50269EB33}"/>
+                </a:ext>
+              </a:extLst>
+            </p:cNvPr>
+            <p:cNvSpPr/>
+            <p:nvPr/>
+          </p:nvSpPr>
+          <p:spPr>
+            <a:xfrm>
+              <a:off x="807142" y="1411502"/>
+              <a:ext cx="1080000" cy="432000"/>
+            </a:xfrm>
+            <a:prstGeom prst="roundRect">
+              <a:avLst/>
+            </a:prstGeom>
+            <a:solidFill>
+              <a:srgbClr val="00B0F0"/>
+            </a:solidFill>
+            <a:ln>
+              <a:solidFill>
+                <a:schemeClr val="tx1"/>
+              </a:solidFill>
+            </a:ln>
+          </p:spPr>
+          <p:style>
+            <a:lnRef idx="2">
+              <a:schemeClr val="accent1">
+                <a:shade val="50000"/>
+              </a:schemeClr>
+            </a:lnRef>
+            <a:fillRef idx="1">
+              <a:schemeClr val="accent1"/>
+            </a:fillRef>
+            <a:effectRef idx="0">
+              <a:schemeClr val="accent1"/>
+            </a:effectRef>
+            <a:fontRef idx="minor">
+              <a:schemeClr val="lt1"/>
+            </a:fontRef>
+          </p:style>
+          <p:txBody>
+            <a:bodyPr wrap="none" lIns="36000" tIns="36000" rIns="36000" bIns="36000" rtlCol="0" anchor="ctr" anchorCtr="0"/>
+            <a:lstStyle/>
+            <a:p>
+              <a:pPr algn="ctr"/>
+              <a:r>
+                <a:rPr lang="zh-CN" altLang="en-US" sz="1600" b="1">
+                  <a:solidFill>
+                    <a:schemeClr val="tx1"/>
+                  </a:solidFill>
+                  <a:latin typeface="微软雅黑" panose="020B0503020204020204" pitchFamily="34" charset="-122"/>
+                  <a:ea typeface="微软雅黑" panose="020B0503020204020204" pitchFamily="34" charset="-122"/>
+                </a:rPr>
+                <a:t>法师</a:t>
+              </a:r>
+            </a:p>
+          </p:txBody>
+        </p:sp>
+        <p:sp>
+          <p:nvSpPr>
+            <p:cNvPr id="32" name="矩形: 圆角 31">
+              <a:extLst>
+                <a:ext uri="{FF2B5EF4-FFF2-40B4-BE49-F238E27FC236}">
+                  <a16:creationId xmlns:a16="http://schemas.microsoft.com/office/drawing/2014/main" id="{E9F462B0-0104-49C0-A2DB-955EBA082EE7}"/>
+                </a:ext>
+              </a:extLst>
+            </p:cNvPr>
+            <p:cNvSpPr/>
+            <p:nvPr/>
+          </p:nvSpPr>
+          <p:spPr>
+            <a:xfrm>
+              <a:off x="1930409" y="1410898"/>
+              <a:ext cx="1080000" cy="432000"/>
+            </a:xfrm>
+            <a:prstGeom prst="roundRect">
+              <a:avLst/>
+            </a:prstGeom>
+            <a:solidFill>
+              <a:srgbClr val="00B0F0"/>
+            </a:solidFill>
+            <a:ln>
+              <a:solidFill>
+                <a:schemeClr val="tx1"/>
+              </a:solidFill>
+            </a:ln>
+          </p:spPr>
+          <p:style>
+            <a:lnRef idx="2">
+              <a:schemeClr val="accent1">
+                <a:shade val="50000"/>
+              </a:schemeClr>
+            </a:lnRef>
+            <a:fillRef idx="1">
+              <a:schemeClr val="accent1"/>
+            </a:fillRef>
+            <a:effectRef idx="0">
+              <a:schemeClr val="accent1"/>
+            </a:effectRef>
+            <a:fontRef idx="minor">
+              <a:schemeClr val="lt1"/>
+            </a:fontRef>
+          </p:style>
+          <p:txBody>
+            <a:bodyPr wrap="none" lIns="36000" tIns="36000" rIns="36000" bIns="36000" rtlCol="0" anchor="ctr" anchorCtr="0"/>
+            <a:lstStyle/>
+            <a:p>
+              <a:pPr algn="ctr"/>
+              <a:r>
+                <a:rPr lang="zh-CN" altLang="en-US" sz="1600" b="1">
+                  <a:solidFill>
+                    <a:schemeClr val="tx1"/>
+                  </a:solidFill>
+                  <a:latin typeface="微软雅黑" panose="020B0503020204020204" pitchFamily="34" charset="-122"/>
+                  <a:ea typeface="微软雅黑" panose="020B0503020204020204" pitchFamily="34" charset="-122"/>
+                </a:rPr>
+                <a:t>寺院</a:t>
+              </a:r>
+            </a:p>
+          </p:txBody>
+        </p:sp>
+        <p:sp>
+          <p:nvSpPr>
+            <p:cNvPr id="73" name="矩形: 圆角 72">
+              <a:extLst>
+                <a:ext uri="{FF2B5EF4-FFF2-40B4-BE49-F238E27FC236}">
+                  <a16:creationId xmlns:a16="http://schemas.microsoft.com/office/drawing/2014/main" id="{3B6EB2D3-4544-40BC-B1EF-5D1903394354}"/>
+                </a:ext>
+              </a:extLst>
+            </p:cNvPr>
+            <p:cNvSpPr/>
+            <p:nvPr/>
+          </p:nvSpPr>
+          <p:spPr>
+            <a:xfrm>
+              <a:off x="800453" y="1889741"/>
+              <a:ext cx="1080000" cy="432000"/>
+            </a:xfrm>
+            <a:prstGeom prst="roundRect">
+              <a:avLst/>
+            </a:prstGeom>
+            <a:solidFill>
+              <a:srgbClr val="00B0F0"/>
+            </a:solidFill>
+            <a:ln>
+              <a:solidFill>
+                <a:schemeClr val="tx1"/>
+              </a:solidFill>
+            </a:ln>
+          </p:spPr>
+          <p:style>
+            <a:lnRef idx="2">
+              <a:schemeClr val="accent1">
+                <a:shade val="50000"/>
+              </a:schemeClr>
+            </a:lnRef>
+            <a:fillRef idx="1">
+              <a:schemeClr val="accent1"/>
+            </a:fillRef>
+            <a:effectRef idx="0">
+              <a:schemeClr val="accent1"/>
+            </a:effectRef>
+            <a:fontRef idx="minor">
+              <a:schemeClr val="lt1"/>
+            </a:fontRef>
+          </p:style>
+          <p:txBody>
+            <a:bodyPr wrap="none" lIns="36000" tIns="36000" rIns="36000" bIns="36000" rtlCol="0" anchor="ctr" anchorCtr="0"/>
+            <a:lstStyle/>
+            <a:p>
+              <a:pPr algn="ctr"/>
+              <a:r>
+                <a:rPr lang="zh-CN" altLang="en-US" sz="1600" b="1">
+                  <a:solidFill>
+                    <a:schemeClr val="tx1"/>
+                  </a:solidFill>
+                  <a:latin typeface="微软雅黑" panose="020B0503020204020204" pitchFamily="34" charset="-122"/>
+                  <a:ea typeface="微软雅黑" panose="020B0503020204020204" pitchFamily="34" charset="-122"/>
+                </a:rPr>
+                <a:t>认证用户</a:t>
+              </a:r>
+            </a:p>
+          </p:txBody>
+        </p:sp>
+        <p:sp>
+          <p:nvSpPr>
+            <p:cNvPr id="121" name="矩形: 圆角 120">
+              <a:extLst>
+                <a:ext uri="{FF2B5EF4-FFF2-40B4-BE49-F238E27FC236}">
+                  <a16:creationId xmlns:a16="http://schemas.microsoft.com/office/drawing/2014/main" id="{F611A331-1ECC-48B7-8868-69A9CCBDD3D4}"/>
+                </a:ext>
+              </a:extLst>
+            </p:cNvPr>
+            <p:cNvSpPr/>
+            <p:nvPr/>
+          </p:nvSpPr>
+          <p:spPr>
+            <a:xfrm>
+              <a:off x="709949" y="1340421"/>
+              <a:ext cx="2395201" cy="1050193"/>
+            </a:xfrm>
+            <a:prstGeom prst="roundRect">
+              <a:avLst>
+                <a:gd name="adj" fmla="val 5494"/>
+              </a:avLst>
+            </a:prstGeom>
+            <a:noFill/>
+            <a:ln>
+              <a:solidFill>
+                <a:schemeClr val="tx2"/>
+              </a:solidFill>
+              <a:prstDash val="dash"/>
+            </a:ln>
+          </p:spPr>
+          <p:style>
+            <a:lnRef idx="2">
+              <a:schemeClr val="accent1">
+                <a:shade val="50000"/>
+              </a:schemeClr>
+            </a:lnRef>
+            <a:fillRef idx="1">
+              <a:schemeClr val="accent1"/>
+            </a:fillRef>
+            <a:effectRef idx="0">
+              <a:schemeClr val="accent1"/>
+            </a:effectRef>
+            <a:fontRef idx="minor">
+              <a:schemeClr val="lt1"/>
+            </a:fontRef>
+          </p:style>
+          <p:txBody>
+            <a:bodyPr rtlCol="0" anchor="ctr"/>
+            <a:lstStyle/>
+            <a:p>
+              <a:pPr algn="ctr"/>
+              <a:endParaRPr lang="zh-CN" altLang="en-US" sz="1600">
+                <a:latin typeface="微软雅黑" panose="020B0503020204020204" pitchFamily="34" charset="-122"/>
+                <a:ea typeface="微软雅黑" panose="020B0503020204020204" pitchFamily="34" charset="-122"/>
+              </a:endParaRPr>
+            </a:p>
+          </p:txBody>
+        </p:sp>
+        <p:sp>
+          <p:nvSpPr>
+            <p:cNvPr id="42" name="矩形: 圆角 41">
+              <a:extLst>
+                <a:ext uri="{FF2B5EF4-FFF2-40B4-BE49-F238E27FC236}">
+                  <a16:creationId xmlns:a16="http://schemas.microsoft.com/office/drawing/2014/main" id="{530158FB-EFBA-4B5D-9588-9498F6C20E6B}"/>
+                </a:ext>
+              </a:extLst>
+            </p:cNvPr>
+            <p:cNvSpPr/>
+            <p:nvPr/>
+          </p:nvSpPr>
+          <p:spPr>
+            <a:xfrm>
+              <a:off x="1930409" y="1884107"/>
+              <a:ext cx="1080000" cy="432000"/>
+            </a:xfrm>
+            <a:prstGeom prst="roundRect">
+              <a:avLst/>
+            </a:prstGeom>
+            <a:solidFill>
+              <a:srgbClr val="00B0F0"/>
+            </a:solidFill>
+            <a:ln>
+              <a:solidFill>
+                <a:schemeClr val="tx1"/>
+              </a:solidFill>
+            </a:ln>
+          </p:spPr>
+          <p:style>
+            <a:lnRef idx="2">
+              <a:schemeClr val="accent1">
+                <a:shade val="50000"/>
+              </a:schemeClr>
+            </a:lnRef>
+            <a:fillRef idx="1">
+              <a:schemeClr val="accent1"/>
+            </a:fillRef>
+            <a:effectRef idx="0">
+              <a:schemeClr val="accent1"/>
+            </a:effectRef>
+            <a:fontRef idx="minor">
+              <a:schemeClr val="lt1"/>
+            </a:fontRef>
+          </p:style>
+          <p:txBody>
+            <a:bodyPr wrap="none" lIns="36000" tIns="36000" rIns="36000" bIns="36000" rtlCol="0" anchor="ctr" anchorCtr="0"/>
+            <a:lstStyle/>
+            <a:p>
+              <a:pPr algn="ctr"/>
+              <a:r>
+                <a:rPr lang="zh-CN" altLang="en-US" sz="1600" b="1">
+                  <a:solidFill>
+                    <a:schemeClr val="tx1"/>
+                  </a:solidFill>
+                  <a:latin typeface="微软雅黑" panose="020B0503020204020204" pitchFamily="34" charset="-122"/>
+                  <a:ea typeface="微软雅黑" panose="020B0503020204020204" pitchFamily="34" charset="-122"/>
+                </a:rPr>
+                <a:t>基金会会员</a:t>
+              </a:r>
+            </a:p>
+          </p:txBody>
+        </p:sp>
+      </p:grpSp>
+      <p:grpSp>
+        <p:nvGrpSpPr>
+          <p:cNvPr id="55" name="组合 54">
+            <a:extLst>
+              <a:ext uri="{FF2B5EF4-FFF2-40B4-BE49-F238E27FC236}">
+                <a16:creationId xmlns:a16="http://schemas.microsoft.com/office/drawing/2014/main" id="{1312704B-3904-4487-9A1C-408B48C219BD}"/>
+              </a:ext>
+            </a:extLst>
+          </p:cNvPr>
+          <p:cNvGrpSpPr/>
+          <p:nvPr/>
+        </p:nvGrpSpPr>
+        <p:grpSpPr>
+          <a:xfrm>
+            <a:off x="713061" y="3707326"/>
+            <a:ext cx="2395201" cy="1050193"/>
+            <a:chOff x="709949" y="1340421"/>
+            <a:chExt cx="2395201" cy="1050193"/>
+          </a:xfrm>
+        </p:grpSpPr>
+        <p:sp>
+          <p:nvSpPr>
+            <p:cNvPr id="56" name="矩形: 圆角 55">
+              <a:extLst>
+                <a:ext uri="{FF2B5EF4-FFF2-40B4-BE49-F238E27FC236}">
+                  <a16:creationId xmlns:a16="http://schemas.microsoft.com/office/drawing/2014/main" id="{CE5369D2-E922-4AB8-B860-E1DCE4A5F7D8}"/>
+                </a:ext>
+              </a:extLst>
+            </p:cNvPr>
+            <p:cNvSpPr/>
+            <p:nvPr/>
+          </p:nvSpPr>
+          <p:spPr>
+            <a:xfrm>
+              <a:off x="807142" y="1411502"/>
+              <a:ext cx="1080000" cy="432000"/>
+            </a:xfrm>
+            <a:prstGeom prst="roundRect">
+              <a:avLst/>
+            </a:prstGeom>
+            <a:solidFill>
+              <a:srgbClr val="00B0F0"/>
+            </a:solidFill>
+            <a:ln>
+              <a:solidFill>
+                <a:schemeClr val="tx1"/>
+              </a:solidFill>
+            </a:ln>
+          </p:spPr>
+          <p:style>
+            <a:lnRef idx="2">
+              <a:schemeClr val="accent1">
+                <a:shade val="50000"/>
+              </a:schemeClr>
+            </a:lnRef>
+            <a:fillRef idx="1">
+              <a:schemeClr val="accent1"/>
+            </a:fillRef>
+            <a:effectRef idx="0">
+              <a:schemeClr val="accent1"/>
+            </a:effectRef>
+            <a:fontRef idx="minor">
+              <a:schemeClr val="lt1"/>
+            </a:fontRef>
+          </p:style>
+          <p:txBody>
+            <a:bodyPr wrap="none" lIns="36000" tIns="36000" rIns="36000" bIns="36000" rtlCol="0" anchor="ctr" anchorCtr="0"/>
+            <a:lstStyle/>
+            <a:p>
+              <a:pPr algn="ctr"/>
+              <a:r>
+                <a:rPr lang="zh-CN" altLang="en-US" sz="1600" b="1">
+                  <a:solidFill>
+                    <a:schemeClr val="tx1"/>
+                  </a:solidFill>
+                  <a:latin typeface="微软雅黑" panose="020B0503020204020204" pitchFamily="34" charset="-122"/>
+                  <a:ea typeface="微软雅黑" panose="020B0503020204020204" pitchFamily="34" charset="-122"/>
+                </a:rPr>
+                <a:t>法师</a:t>
+              </a:r>
+            </a:p>
+          </p:txBody>
+        </p:sp>
+        <p:sp>
+          <p:nvSpPr>
+            <p:cNvPr id="57" name="矩形: 圆角 56">
+              <a:extLst>
+                <a:ext uri="{FF2B5EF4-FFF2-40B4-BE49-F238E27FC236}">
+                  <a16:creationId xmlns:a16="http://schemas.microsoft.com/office/drawing/2014/main" id="{F74224ED-8E0B-4D05-9501-AB09373819EC}"/>
+                </a:ext>
+              </a:extLst>
+            </p:cNvPr>
+            <p:cNvSpPr/>
+            <p:nvPr/>
+          </p:nvSpPr>
+          <p:spPr>
+            <a:xfrm>
+              <a:off x="1930409" y="1410898"/>
+              <a:ext cx="1080000" cy="432000"/>
+            </a:xfrm>
+            <a:prstGeom prst="roundRect">
+              <a:avLst/>
+            </a:prstGeom>
+            <a:solidFill>
+              <a:srgbClr val="00B0F0"/>
+            </a:solidFill>
+            <a:ln>
+              <a:solidFill>
+                <a:schemeClr val="tx1"/>
+              </a:solidFill>
+            </a:ln>
+          </p:spPr>
+          <p:style>
+            <a:lnRef idx="2">
+              <a:schemeClr val="accent1">
+                <a:shade val="50000"/>
+              </a:schemeClr>
+            </a:lnRef>
+            <a:fillRef idx="1">
+              <a:schemeClr val="accent1"/>
+            </a:fillRef>
+            <a:effectRef idx="0">
+              <a:schemeClr val="accent1"/>
+            </a:effectRef>
+            <a:fontRef idx="minor">
+              <a:schemeClr val="lt1"/>
+            </a:fontRef>
+          </p:style>
+          <p:txBody>
+            <a:bodyPr wrap="none" lIns="36000" tIns="36000" rIns="36000" bIns="36000" rtlCol="0" anchor="ctr" anchorCtr="0"/>
+            <a:lstStyle/>
+            <a:p>
+              <a:pPr algn="ctr"/>
+              <a:r>
+                <a:rPr lang="zh-CN" altLang="en-US" sz="1600" b="1">
+                  <a:solidFill>
+                    <a:schemeClr val="tx1"/>
+                  </a:solidFill>
+                  <a:latin typeface="微软雅黑" panose="020B0503020204020204" pitchFamily="34" charset="-122"/>
+                  <a:ea typeface="微软雅黑" panose="020B0503020204020204" pitchFamily="34" charset="-122"/>
+                </a:rPr>
+                <a:t>寺院</a:t>
+              </a:r>
+            </a:p>
+          </p:txBody>
+        </p:sp>
+        <p:sp>
+          <p:nvSpPr>
+            <p:cNvPr id="58" name="矩形: 圆角 57">
+              <a:extLst>
+                <a:ext uri="{FF2B5EF4-FFF2-40B4-BE49-F238E27FC236}">
+                  <a16:creationId xmlns:a16="http://schemas.microsoft.com/office/drawing/2014/main" id="{91A28749-B122-4EB8-96A8-57724DAD53F6}"/>
+                </a:ext>
+              </a:extLst>
+            </p:cNvPr>
+            <p:cNvSpPr/>
+            <p:nvPr/>
+          </p:nvSpPr>
+          <p:spPr>
+            <a:xfrm>
+              <a:off x="800453" y="1889741"/>
+              <a:ext cx="1080000" cy="432000"/>
+            </a:xfrm>
+            <a:prstGeom prst="roundRect">
+              <a:avLst/>
+            </a:prstGeom>
+            <a:solidFill>
+              <a:srgbClr val="00B0F0"/>
+            </a:solidFill>
+            <a:ln>
+              <a:solidFill>
+                <a:schemeClr val="tx1"/>
+              </a:solidFill>
+            </a:ln>
+          </p:spPr>
+          <p:style>
+            <a:lnRef idx="2">
+              <a:schemeClr val="accent1">
+                <a:shade val="50000"/>
+              </a:schemeClr>
+            </a:lnRef>
+            <a:fillRef idx="1">
+              <a:schemeClr val="accent1"/>
+            </a:fillRef>
+            <a:effectRef idx="0">
+              <a:schemeClr val="accent1"/>
+            </a:effectRef>
+            <a:fontRef idx="minor">
+              <a:schemeClr val="lt1"/>
+            </a:fontRef>
+          </p:style>
+          <p:txBody>
+            <a:bodyPr wrap="none" lIns="36000" tIns="36000" rIns="36000" bIns="36000" rtlCol="0" anchor="ctr" anchorCtr="0"/>
+            <a:lstStyle/>
+            <a:p>
+              <a:pPr algn="ctr"/>
+              <a:r>
+                <a:rPr lang="zh-CN" altLang="en-US" sz="1600" b="1">
+                  <a:solidFill>
+                    <a:schemeClr val="tx1"/>
+                  </a:solidFill>
+                  <a:latin typeface="微软雅黑" panose="020B0503020204020204" pitchFamily="34" charset="-122"/>
+                  <a:ea typeface="微软雅黑" panose="020B0503020204020204" pitchFamily="34" charset="-122"/>
+                </a:rPr>
+                <a:t>认证用户</a:t>
+              </a:r>
+            </a:p>
+          </p:txBody>
+        </p:sp>
+        <p:sp>
+          <p:nvSpPr>
+            <p:cNvPr id="59" name="矩形: 圆角 58">
+              <a:extLst>
+                <a:ext uri="{FF2B5EF4-FFF2-40B4-BE49-F238E27FC236}">
+                  <a16:creationId xmlns:a16="http://schemas.microsoft.com/office/drawing/2014/main" id="{2B136B40-780D-4BBA-858B-F72A793298D9}"/>
+                </a:ext>
+              </a:extLst>
+            </p:cNvPr>
+            <p:cNvSpPr/>
+            <p:nvPr/>
+          </p:nvSpPr>
+          <p:spPr>
+            <a:xfrm>
+              <a:off x="709949" y="1340421"/>
+              <a:ext cx="2395201" cy="1050193"/>
+            </a:xfrm>
+            <a:prstGeom prst="roundRect">
+              <a:avLst>
+                <a:gd name="adj" fmla="val 5494"/>
+              </a:avLst>
+            </a:prstGeom>
+            <a:noFill/>
+            <a:ln>
+              <a:solidFill>
+                <a:schemeClr val="tx2"/>
+              </a:solidFill>
+              <a:prstDash val="dash"/>
+            </a:ln>
+          </p:spPr>
+          <p:style>
+            <a:lnRef idx="2">
+              <a:schemeClr val="accent1">
+                <a:shade val="50000"/>
+              </a:schemeClr>
+            </a:lnRef>
+            <a:fillRef idx="1">
+              <a:schemeClr val="accent1"/>
+            </a:fillRef>
+            <a:effectRef idx="0">
+              <a:schemeClr val="accent1"/>
+            </a:effectRef>
+            <a:fontRef idx="minor">
+              <a:schemeClr val="lt1"/>
+            </a:fontRef>
+          </p:style>
+          <p:txBody>
+            <a:bodyPr rtlCol="0" anchor="ctr"/>
+            <a:lstStyle/>
+            <a:p>
+              <a:pPr algn="ctr"/>
+              <a:endParaRPr lang="zh-CN" altLang="en-US" sz="1600">
+                <a:latin typeface="微软雅黑" panose="020B0503020204020204" pitchFamily="34" charset="-122"/>
+                <a:ea typeface="微软雅黑" panose="020B0503020204020204" pitchFamily="34" charset="-122"/>
+              </a:endParaRPr>
+            </a:p>
+          </p:txBody>
+        </p:sp>
+      </p:grpSp>
+      <p:sp>
+        <p:nvSpPr>
+          <p:cNvPr id="69" name="矩形: 圆角 68">
+            <a:extLst>
+              <a:ext uri="{FF2B5EF4-FFF2-40B4-BE49-F238E27FC236}">
+                <a16:creationId xmlns:a16="http://schemas.microsoft.com/office/drawing/2014/main" id="{0FD40950-EA47-4174-95DB-F0591D1AC0A6}"/>
+              </a:ext>
+            </a:extLst>
+          </p:cNvPr>
+          <p:cNvSpPr/>
+          <p:nvPr/>
+        </p:nvSpPr>
+        <p:spPr>
+          <a:xfrm>
+            <a:off x="800453" y="5251630"/>
+            <a:ext cx="1080000" cy="432000"/>
+          </a:xfrm>
+          <a:prstGeom prst="roundRect">
+            <a:avLst/>
+          </a:prstGeom>
+          <a:solidFill>
+            <a:srgbClr val="00B0F0"/>
+          </a:solidFill>
+          <a:ln>
+            <a:solidFill>
+              <a:schemeClr val="tx1"/>
+            </a:solidFill>
+          </a:ln>
+        </p:spPr>
+        <p:style>
+          <a:lnRef idx="2">
+            <a:schemeClr val="accent1">
+              <a:shade val="50000"/>
+            </a:schemeClr>
+          </a:lnRef>
+          <a:fillRef idx="1">
+            <a:schemeClr val="accent1"/>
+          </a:fillRef>
+          <a:effectRef idx="0">
+            <a:schemeClr val="accent1"/>
+          </a:effectRef>
+          <a:fontRef idx="minor">
+            <a:schemeClr val="lt1"/>
+          </a:fontRef>
+        </p:style>
+        <p:txBody>
+          <a:bodyPr wrap="none" lIns="36000" tIns="36000" rIns="36000" bIns="36000" rtlCol="0" anchor="ctr" anchorCtr="0"/>
+          <a:lstStyle/>
+          <a:p>
+            <a:pPr algn="ctr"/>
+            <a:r>
+              <a:rPr lang="zh-CN" altLang="en-US" sz="1600" b="1">
+                <a:solidFill>
+                  <a:schemeClr val="tx1"/>
+                </a:solidFill>
+                <a:latin typeface="微软雅黑" panose="020B0503020204020204" pitchFamily="34" charset="-122"/>
+                <a:ea typeface="微软雅黑" panose="020B0503020204020204" pitchFamily="34" charset="-122"/>
+              </a:rPr>
+              <a:t>用户</a:t>
+            </a:r>
+          </a:p>
+        </p:txBody>
+      </p:sp>
+      <p:sp>
+        <p:nvSpPr>
+          <p:cNvPr id="70" name="矩形: 圆角 69">
+            <a:extLst>
+              <a:ext uri="{FF2B5EF4-FFF2-40B4-BE49-F238E27FC236}">
+                <a16:creationId xmlns:a16="http://schemas.microsoft.com/office/drawing/2014/main" id="{4819B449-F886-4DC2-83EC-8D8CC2BE2EA7}"/>
+              </a:ext>
+            </a:extLst>
+          </p:cNvPr>
+          <p:cNvSpPr/>
+          <p:nvPr/>
+        </p:nvSpPr>
+        <p:spPr>
+          <a:xfrm>
+            <a:off x="4409337" y="5143630"/>
+            <a:ext cx="2016000" cy="648000"/>
+          </a:xfrm>
+          <a:prstGeom prst="roundRect">
+            <a:avLst/>
+          </a:prstGeom>
+          <a:solidFill>
+            <a:srgbClr val="00B050"/>
+          </a:solidFill>
+          <a:ln>
+            <a:solidFill>
+              <a:schemeClr val="tx1"/>
+            </a:solidFill>
+          </a:ln>
+        </p:spPr>
+        <p:style>
+          <a:lnRef idx="2">
+            <a:schemeClr val="accent1">
+              <a:shade val="50000"/>
+            </a:schemeClr>
+          </a:lnRef>
+          <a:fillRef idx="1">
+            <a:schemeClr val="accent1"/>
+          </a:fillRef>
+          <a:effectRef idx="0">
+            <a:schemeClr val="accent1"/>
+          </a:effectRef>
+          <a:fontRef idx="minor">
+            <a:schemeClr val="lt1"/>
+          </a:fontRef>
+        </p:style>
+        <p:txBody>
+          <a:bodyPr wrap="none" lIns="36000" tIns="36000" rIns="36000" bIns="36000" rtlCol="0" anchor="ctr" anchorCtr="0"/>
+          <a:lstStyle/>
+          <a:p>
+            <a:pPr algn="ctr"/>
+            <a:r>
+              <a:rPr lang="zh-CN" altLang="en-US" sz="1600" b="1">
+                <a:solidFill>
+                  <a:schemeClr val="tx1"/>
+                </a:solidFill>
+                <a:latin typeface="微软雅黑" panose="020B0503020204020204" pitchFamily="34" charset="-122"/>
+                <a:ea typeface="微软雅黑" panose="020B0503020204020204" pitchFamily="34" charset="-122"/>
+              </a:rPr>
+              <a:t>按条件查看列表</a:t>
+            </a:r>
+            <a:endParaRPr lang="en-US" altLang="zh-CN" sz="1600" b="1">
+              <a:solidFill>
+                <a:schemeClr val="tx1"/>
+              </a:solidFill>
+              <a:latin typeface="微软雅黑" panose="020B0503020204020204" pitchFamily="34" charset="-122"/>
+              <a:ea typeface="微软雅黑" panose="020B0503020204020204" pitchFamily="34" charset="-122"/>
+            </a:endParaRPr>
+          </a:p>
+          <a:p>
+            <a:pPr algn="ctr"/>
+            <a:r>
+              <a:rPr lang="en-US" altLang="zh-CN" sz="1600" b="1">
+                <a:solidFill>
+                  <a:schemeClr val="tx1"/>
+                </a:solidFill>
+                <a:latin typeface="微软雅黑" panose="020B0503020204020204" pitchFamily="34" charset="-122"/>
+                <a:ea typeface="微软雅黑" panose="020B0503020204020204" pitchFamily="34" charset="-122"/>
+              </a:rPr>
+              <a:t>list_kinddeed</a:t>
+            </a:r>
+            <a:endParaRPr lang="zh-CN" altLang="en-US" sz="1600" b="1">
+              <a:solidFill>
+                <a:schemeClr val="tx1"/>
+              </a:solidFill>
+              <a:latin typeface="微软雅黑" panose="020B0503020204020204" pitchFamily="34" charset="-122"/>
+              <a:ea typeface="微软雅黑" panose="020B0503020204020204" pitchFamily="34" charset="-122"/>
+            </a:endParaRPr>
+          </a:p>
+        </p:txBody>
+      </p:sp>
+      <p:cxnSp>
+        <p:nvCxnSpPr>
+          <p:cNvPr id="71" name="直接箭头连接符 70">
+            <a:extLst>
+              <a:ext uri="{FF2B5EF4-FFF2-40B4-BE49-F238E27FC236}">
+                <a16:creationId xmlns:a16="http://schemas.microsoft.com/office/drawing/2014/main" id="{CFB0BB44-9B60-4F80-927C-76ACBBEC3A6E}"/>
+              </a:ext>
+            </a:extLst>
+          </p:cNvPr>
+          <p:cNvCxnSpPr>
+            <a:cxnSpLocks/>
+            <a:stCxn id="69" idx="3"/>
+            <a:endCxn id="144" idx="1"/>
+          </p:cNvCxnSpPr>
+          <p:nvPr/>
+        </p:nvCxnSpPr>
+        <p:spPr>
+          <a:xfrm flipV="1">
+            <a:off x="1880453" y="4709947"/>
+            <a:ext cx="2528884" cy="757683"/>
+          </a:xfrm>
+          <a:prstGeom prst="straightConnector1">
+            <a:avLst/>
+          </a:prstGeom>
+          <a:ln w="31750">
+            <a:solidFill>
+              <a:schemeClr val="tx1"/>
+            </a:solidFill>
+            <a:tailEnd type="triangle"/>
+          </a:ln>
+        </p:spPr>
+        <p:style>
+          <a:lnRef idx="1">
+            <a:schemeClr val="accent1"/>
+          </a:lnRef>
+          <a:fillRef idx="0">
+            <a:schemeClr val="accent1"/>
+          </a:fillRef>
+          <a:effectRef idx="0">
+            <a:schemeClr val="accent1"/>
+          </a:effectRef>
+          <a:fontRef idx="minor">
+            <a:schemeClr val="tx1"/>
+          </a:fontRef>
+        </p:style>
+      </p:cxnSp>
+      <p:cxnSp>
+        <p:nvCxnSpPr>
+          <p:cNvPr id="75" name="直接箭头连接符 74">
+            <a:extLst>
+              <a:ext uri="{FF2B5EF4-FFF2-40B4-BE49-F238E27FC236}">
+                <a16:creationId xmlns:a16="http://schemas.microsoft.com/office/drawing/2014/main" id="{0254F15C-BF4E-4E6F-9A30-C308216686B6}"/>
+              </a:ext>
+            </a:extLst>
+          </p:cNvPr>
+          <p:cNvCxnSpPr>
+            <a:cxnSpLocks/>
+            <a:stCxn id="69" idx="3"/>
+            <a:endCxn id="70" idx="1"/>
+          </p:cNvCxnSpPr>
+          <p:nvPr/>
+        </p:nvCxnSpPr>
+        <p:spPr>
+          <a:xfrm>
+            <a:off x="1880453" y="5467630"/>
+            <a:ext cx="2528884" cy="0"/>
+          </a:xfrm>
+          <a:prstGeom prst="straightConnector1">
+            <a:avLst/>
+          </a:prstGeom>
+          <a:ln w="31750">
+            <a:solidFill>
+              <a:schemeClr val="tx1"/>
+            </a:solidFill>
+            <a:tailEnd type="triangle"/>
+          </a:ln>
+        </p:spPr>
+        <p:style>
+          <a:lnRef idx="1">
+            <a:schemeClr val="accent1"/>
+          </a:lnRef>
+          <a:fillRef idx="0">
+            <a:schemeClr val="accent1"/>
+          </a:fillRef>
+          <a:effectRef idx="0">
+            <a:schemeClr val="accent1"/>
+          </a:effectRef>
+          <a:fontRef idx="minor">
+            <a:schemeClr val="tx1"/>
+          </a:fontRef>
+        </p:style>
+      </p:cxnSp>
+      <p:cxnSp>
+        <p:nvCxnSpPr>
+          <p:cNvPr id="78" name="直接箭头连接符 77">
+            <a:extLst>
+              <a:ext uri="{FF2B5EF4-FFF2-40B4-BE49-F238E27FC236}">
+                <a16:creationId xmlns:a16="http://schemas.microsoft.com/office/drawing/2014/main" id="{2134C7BE-EC8E-4B33-92C9-654CA4BEE1BD}"/>
+              </a:ext>
+            </a:extLst>
+          </p:cNvPr>
+          <p:cNvCxnSpPr>
+            <a:cxnSpLocks/>
+            <a:stCxn id="171" idx="1"/>
+            <a:endCxn id="70" idx="3"/>
+          </p:cNvCxnSpPr>
+          <p:nvPr/>
+        </p:nvCxnSpPr>
+        <p:spPr>
+          <a:xfrm flipH="1">
+            <a:off x="6425337" y="5053835"/>
+            <a:ext cx="1838953" cy="413795"/>
+          </a:xfrm>
+          <a:prstGeom prst="straightConnector1">
+            <a:avLst/>
+          </a:prstGeom>
+          <a:ln w="57150">
+            <a:solidFill>
+              <a:srgbClr val="FF0000"/>
+            </a:solidFill>
+            <a:tailEnd type="triangle"/>
+          </a:ln>
+        </p:spPr>
+        <p:style>
+          <a:lnRef idx="1">
+            <a:schemeClr val="accent1"/>
+          </a:lnRef>
+          <a:fillRef idx="0">
+            <a:schemeClr val="accent1"/>
+          </a:fillRef>
+          <a:effectRef idx="0">
+            <a:schemeClr val="accent1"/>
+          </a:effectRef>
+          <a:fontRef idx="minor">
+            <a:schemeClr val="tx1"/>
+          </a:fontRef>
+        </p:style>
+      </p:cxnSp>
     </p:spTree>
     <p:extLst>
       <p:ext uri="{BB962C8B-B14F-4D97-AF65-F5344CB8AC3E}">
